--- a/入职总结-坤极.pptx
+++ b/入职总结-坤极.pptx
@@ -5,7 +5,7 @@
     <p:sldMasterId id="2147483648" r:id="rId1"/>
   </p:sldMasterIdLst>
   <p:notesMasterIdLst>
-    <p:notesMasterId r:id="rId7"/>
+    <p:notesMasterId r:id="rId9"/>
   </p:notesMasterIdLst>
   <p:sldIdLst>
     <p:sldId id="301" r:id="rId2"/>
@@ -13,6 +13,8 @@
     <p:sldId id="382" r:id="rId4"/>
     <p:sldId id="383" r:id="rId5"/>
     <p:sldId id="384" r:id="rId6"/>
+    <p:sldId id="386" r:id="rId7"/>
+    <p:sldId id="385" r:id="rId8"/>
   </p:sldIdLst>
   <p:sldSz cx="12192000" cy="6858000"/>
   <p:notesSz cx="6858000" cy="9144000"/>
@@ -804,6 +806,176 @@
               <a:rPr lang="zh-CN" altLang="en-US" smtClean="0"/>
               <a:pPr/>
               <a:t>5</a:t>
+            </a:fld>
+            <a:endParaRPr lang="zh-CN" altLang="en-US"/>
+          </a:p>
+        </p:txBody>
+      </p:sp>
+    </p:spTree>
+    <p:extLst>
+      <p:ext uri="{BB962C8B-B14F-4D97-AF65-F5344CB8AC3E}">
+        <p14:creationId xmlns:p14="http://schemas.microsoft.com/office/powerpoint/2010/main" val="1442117753"/>
+      </p:ext>
+    </p:extLst>
+  </p:cSld>
+  <p:clrMapOvr>
+    <a:masterClrMapping/>
+  </p:clrMapOvr>
+</p:notes>
+</file>
+
+<file path=ppt/notesSlides/notesSlide5.xml><?xml version="1.0" encoding="utf-8"?>
+<p:notes xmlns:a="http://schemas.openxmlformats.org/drawingml/2006/main" xmlns:r="http://schemas.openxmlformats.org/officeDocument/2006/relationships" xmlns:p="http://schemas.openxmlformats.org/presentationml/2006/main">
+  <p:cSld>
+    <p:spTree>
+      <p:nvGrpSpPr>
+        <p:cNvPr id="1" name=""/>
+        <p:cNvGrpSpPr/>
+        <p:nvPr/>
+      </p:nvGrpSpPr>
+      <p:grpSpPr>
+        <a:xfrm>
+          <a:off x="0" y="0"/>
+          <a:ext cx="0" cy="0"/>
+          <a:chOff x="0" y="0"/>
+          <a:chExt cx="0" cy="0"/>
+        </a:xfrm>
+      </p:grpSpPr>
+      <p:sp>
+        <p:nvSpPr>
+          <p:cNvPr id="2" name="幻灯片图像占位符 1"/>
+          <p:cNvSpPr>
+            <a:spLocks noGrp="1" noRot="1" noChangeAspect="1"/>
+          </p:cNvSpPr>
+          <p:nvPr>
+            <p:ph type="sldImg"/>
+          </p:nvPr>
+        </p:nvSpPr>
+        <p:spPr/>
+      </p:sp>
+      <p:sp>
+        <p:nvSpPr>
+          <p:cNvPr id="3" name="备注占位符 2"/>
+          <p:cNvSpPr>
+            <a:spLocks noGrp="1"/>
+          </p:cNvSpPr>
+          <p:nvPr>
+            <p:ph type="body" idx="1"/>
+          </p:nvPr>
+        </p:nvSpPr>
+        <p:spPr/>
+        <p:txBody>
+          <a:bodyPr/>
+          <a:lstStyle/>
+          <a:p>
+            <a:endParaRPr lang="zh-CN" altLang="en-US" dirty="0"/>
+          </a:p>
+        </p:txBody>
+      </p:sp>
+      <p:sp>
+        <p:nvSpPr>
+          <p:cNvPr id="4" name="灯片编号占位符 3"/>
+          <p:cNvSpPr>
+            <a:spLocks noGrp="1"/>
+          </p:cNvSpPr>
+          <p:nvPr>
+            <p:ph type="sldNum" sz="quarter" idx="10"/>
+          </p:nvPr>
+        </p:nvSpPr>
+        <p:spPr/>
+        <p:txBody>
+          <a:bodyPr/>
+          <a:lstStyle/>
+          <a:p>
+            <a:fld id="{1925A24A-5B84-44C4-BF86-D00426138989}" type="slidenum">
+              <a:rPr lang="zh-CN" altLang="en-US" smtClean="0"/>
+              <a:pPr/>
+              <a:t>6</a:t>
+            </a:fld>
+            <a:endParaRPr lang="zh-CN" altLang="en-US"/>
+          </a:p>
+        </p:txBody>
+      </p:sp>
+    </p:spTree>
+    <p:extLst>
+      <p:ext uri="{BB962C8B-B14F-4D97-AF65-F5344CB8AC3E}">
+        <p14:creationId xmlns:p14="http://schemas.microsoft.com/office/powerpoint/2010/main" val="1442117753"/>
+      </p:ext>
+    </p:extLst>
+  </p:cSld>
+  <p:clrMapOvr>
+    <a:masterClrMapping/>
+  </p:clrMapOvr>
+</p:notes>
+</file>
+
+<file path=ppt/notesSlides/notesSlide6.xml><?xml version="1.0" encoding="utf-8"?>
+<p:notes xmlns:a="http://schemas.openxmlformats.org/drawingml/2006/main" xmlns:r="http://schemas.openxmlformats.org/officeDocument/2006/relationships" xmlns:p="http://schemas.openxmlformats.org/presentationml/2006/main">
+  <p:cSld>
+    <p:spTree>
+      <p:nvGrpSpPr>
+        <p:cNvPr id="1" name=""/>
+        <p:cNvGrpSpPr/>
+        <p:nvPr/>
+      </p:nvGrpSpPr>
+      <p:grpSpPr>
+        <a:xfrm>
+          <a:off x="0" y="0"/>
+          <a:ext cx="0" cy="0"/>
+          <a:chOff x="0" y="0"/>
+          <a:chExt cx="0" cy="0"/>
+        </a:xfrm>
+      </p:grpSpPr>
+      <p:sp>
+        <p:nvSpPr>
+          <p:cNvPr id="2" name="幻灯片图像占位符 1"/>
+          <p:cNvSpPr>
+            <a:spLocks noGrp="1" noRot="1" noChangeAspect="1"/>
+          </p:cNvSpPr>
+          <p:nvPr>
+            <p:ph type="sldImg"/>
+          </p:nvPr>
+        </p:nvSpPr>
+        <p:spPr/>
+      </p:sp>
+      <p:sp>
+        <p:nvSpPr>
+          <p:cNvPr id="3" name="备注占位符 2"/>
+          <p:cNvSpPr>
+            <a:spLocks noGrp="1"/>
+          </p:cNvSpPr>
+          <p:nvPr>
+            <p:ph type="body" idx="1"/>
+          </p:nvPr>
+        </p:nvSpPr>
+        <p:spPr/>
+        <p:txBody>
+          <a:bodyPr/>
+          <a:lstStyle/>
+          <a:p>
+            <a:endParaRPr lang="zh-CN" altLang="en-US" dirty="0"/>
+          </a:p>
+        </p:txBody>
+      </p:sp>
+      <p:sp>
+        <p:nvSpPr>
+          <p:cNvPr id="4" name="灯片编号占位符 3"/>
+          <p:cNvSpPr>
+            <a:spLocks noGrp="1"/>
+          </p:cNvSpPr>
+          <p:nvPr>
+            <p:ph type="sldNum" sz="quarter" idx="10"/>
+          </p:nvPr>
+        </p:nvSpPr>
+        <p:spPr/>
+        <p:txBody>
+          <a:bodyPr/>
+          <a:lstStyle/>
+          <a:p>
+            <a:fld id="{1925A24A-5B84-44C4-BF86-D00426138989}" type="slidenum">
+              <a:rPr lang="zh-CN" altLang="en-US" smtClean="0"/>
+              <a:pPr/>
+              <a:t>7</a:t>
             </a:fld>
             <a:endParaRPr lang="zh-CN" altLang="en-US"/>
           </a:p>
@@ -1288,7 +1460,7 @@
                 <a:ea typeface="微软雅黑" pitchFamily="34" charset="-122"/>
                 <a:cs typeface="Arial Unicode MS" panose="020B0604020202020204" pitchFamily="34" charset="-122"/>
               </a:rPr>
-              <a:t>入职工作总结</a:t>
+              <a:t>入职后工作总结</a:t>
             </a:r>
             <a:r>
               <a:rPr lang="en-US" altLang="zh-CN" sz="4000" dirty="0" smtClean="0">
@@ -2471,7 +2643,7 @@
         <p:spPr>
           <a:xfrm>
             <a:off x="812800" y="1386488"/>
-            <a:ext cx="10376606" cy="2677656"/>
+            <a:ext cx="10376606" cy="3970318"/>
           </a:xfrm>
           <a:prstGeom prst="rect">
             <a:avLst/>
@@ -2547,6 +2719,29 @@
                 <a:cs typeface="Arial Unicode MS" panose="020B0604020202020204" pitchFamily="34" charset="-122"/>
               </a:rPr>
               <a:t>一条原始告警关联多个资产值，同一个资产值可能来自不同原始告警</a:t>
+            </a:r>
+          </a:p>
+          <a:p>
+            <a:endParaRPr kumimoji="1" lang="zh-CN" altLang="en-US" sz="2800" dirty="0">
+              <a:solidFill>
+                <a:srgbClr val="3B3439"/>
+              </a:solidFill>
+              <a:latin typeface="Arial Unicode MS" panose="020B0604020202020204" pitchFamily="34" charset="-122"/>
+              <a:ea typeface="Arial Unicode MS" panose="020B0604020202020204" pitchFamily="34" charset="-122"/>
+              <a:cs typeface="Arial Unicode MS" panose="020B0604020202020204" pitchFamily="34" charset="-122"/>
+            </a:endParaRPr>
+          </a:p>
+          <a:p>
+            <a:r>
+              <a:rPr kumimoji="1" lang="zh-CN" altLang="en-US" sz="2800" dirty="0" smtClean="0">
+                <a:solidFill>
+                  <a:srgbClr val="3B3439"/>
+                </a:solidFill>
+                <a:latin typeface="Arial Unicode MS" panose="020B0604020202020204" pitchFamily="34" charset="-122"/>
+                <a:ea typeface="Arial Unicode MS" panose="020B0604020202020204" pitchFamily="34" charset="-122"/>
+                <a:cs typeface="Arial Unicode MS" panose="020B0604020202020204" pitchFamily="34" charset="-122"/>
+              </a:rPr>
+              <a:t>归并逻辑是，针对同一资产，关联分析有效事件范围内的告警，计算风险值、风险等级、处理进度、算法可信度等；</a:t>
             </a:r>
             <a:endParaRPr kumimoji="1" lang="en-US" altLang="zh-CN" sz="2800" dirty="0">
               <a:solidFill>
@@ -2671,6 +2866,580 @@
     <p:extLst>
       <p:ext uri="{BB962C8B-B14F-4D97-AF65-F5344CB8AC3E}">
         <p14:creationId xmlns:p14="http://schemas.microsoft.com/office/powerpoint/2010/main" val="324143790"/>
+      </p:ext>
+    </p:extLst>
+  </p:cSld>
+  <p:clrMapOvr>
+    <a:masterClrMapping/>
+  </p:clrMapOvr>
+  <p:timing>
+    <p:tnLst>
+      <p:par>
+        <p:cTn xmlns:p14="http://schemas.microsoft.com/office/powerpoint/2010/main" id="1" dur="indefinite" restart="never" nodeType="tmRoot"/>
+      </p:par>
+    </p:tnLst>
+  </p:timing>
+</p:sld>
+</file>
+
+<file path=ppt/slides/slide6.xml><?xml version="1.0" encoding="utf-8"?>
+<p:sld xmlns:a="http://schemas.openxmlformats.org/drawingml/2006/main" xmlns:r="http://schemas.openxmlformats.org/officeDocument/2006/relationships" xmlns:p="http://schemas.openxmlformats.org/presentationml/2006/main">
+  <p:cSld>
+    <p:spTree>
+      <p:nvGrpSpPr>
+        <p:cNvPr id="1" name=""/>
+        <p:cNvGrpSpPr/>
+        <p:nvPr/>
+      </p:nvGrpSpPr>
+      <p:grpSpPr>
+        <a:xfrm>
+          <a:off x="0" y="0"/>
+          <a:ext cx="0" cy="0"/>
+          <a:chOff x="0" y="0"/>
+          <a:chExt cx="0" cy="0"/>
+        </a:xfrm>
+      </p:grpSpPr>
+      <p:sp>
+        <p:nvSpPr>
+          <p:cNvPr id="3" name="文本框 2"/>
+          <p:cNvSpPr txBox="1"/>
+          <p:nvPr/>
+        </p:nvSpPr>
+        <p:spPr>
+          <a:xfrm>
+            <a:off x="812800" y="1386488"/>
+            <a:ext cx="10376606" cy="2246769"/>
+          </a:xfrm>
+          <a:prstGeom prst="rect">
+            <a:avLst/>
+          </a:prstGeom>
+          <a:noFill/>
+        </p:spPr>
+        <p:txBody>
+          <a:bodyPr wrap="square" rtlCol="0">
+            <a:spAutoFit/>
+          </a:bodyPr>
+          <a:lstStyle/>
+          <a:p>
+            <a:r>
+              <a:rPr kumimoji="1" lang="zh-CN" altLang="en-US" sz="2800" dirty="0" smtClean="0">
+                <a:solidFill>
+                  <a:srgbClr val="3B3439"/>
+                </a:solidFill>
+                <a:latin typeface="Arial Unicode MS" panose="020B0604020202020204" pitchFamily="34" charset="-122"/>
+                <a:ea typeface="Arial Unicode MS" panose="020B0604020202020204" pitchFamily="34" charset="-122"/>
+                <a:cs typeface="Arial Unicode MS" panose="020B0604020202020204" pitchFamily="34" charset="-122"/>
+              </a:rPr>
+              <a:t>实现技术</a:t>
+            </a:r>
+            <a:endParaRPr kumimoji="1" lang="en-US" altLang="zh-CN" sz="2800" dirty="0" smtClean="0">
+              <a:solidFill>
+                <a:srgbClr val="3B3439"/>
+              </a:solidFill>
+              <a:latin typeface="Arial Unicode MS" panose="020B0604020202020204" pitchFamily="34" charset="-122"/>
+              <a:ea typeface="Arial Unicode MS" panose="020B0604020202020204" pitchFamily="34" charset="-122"/>
+              <a:cs typeface="Arial Unicode MS" panose="020B0604020202020204" pitchFamily="34" charset="-122"/>
+            </a:endParaRPr>
+          </a:p>
+          <a:p>
+            <a:r>
+              <a:rPr kumimoji="1" lang="zh-CN" altLang="zh-CN" sz="2800" dirty="0" smtClean="0">
+                <a:solidFill>
+                  <a:srgbClr val="3B3439"/>
+                </a:solidFill>
+                <a:latin typeface="Arial Unicode MS" panose="020B0604020202020204" pitchFamily="34" charset="-122"/>
+                <a:ea typeface="Arial Unicode MS" panose="020B0604020202020204" pitchFamily="34" charset="-122"/>
+                <a:cs typeface="Arial Unicode MS" panose="020B0604020202020204" pitchFamily="34" charset="-122"/>
+              </a:rPr>
+              <a:t>1</a:t>
+            </a:r>
+            <a:r>
+              <a:rPr kumimoji="1" lang="zh-CN" altLang="en-US" sz="2800" dirty="0" smtClean="0">
+                <a:solidFill>
+                  <a:srgbClr val="3B3439"/>
+                </a:solidFill>
+                <a:latin typeface="Arial Unicode MS" panose="020B0604020202020204" pitchFamily="34" charset="-122"/>
+                <a:ea typeface="Arial Unicode MS" panose="020B0604020202020204" pitchFamily="34" charset="-122"/>
+                <a:cs typeface="Arial Unicode MS" panose="020B0604020202020204" pitchFamily="34" charset="-122"/>
+              </a:rPr>
+              <a:t>、分库分表</a:t>
+            </a:r>
+            <a:endParaRPr kumimoji="1" lang="en-US" altLang="zh-CN" sz="2800" dirty="0" smtClean="0">
+              <a:solidFill>
+                <a:srgbClr val="3B3439"/>
+              </a:solidFill>
+              <a:latin typeface="Arial Unicode MS" panose="020B0604020202020204" pitchFamily="34" charset="-122"/>
+              <a:ea typeface="Arial Unicode MS" panose="020B0604020202020204" pitchFamily="34" charset="-122"/>
+              <a:cs typeface="Arial Unicode MS" panose="020B0604020202020204" pitchFamily="34" charset="-122"/>
+            </a:endParaRPr>
+          </a:p>
+          <a:p>
+            <a:r>
+              <a:rPr kumimoji="1" lang="zh-CN" altLang="zh-CN" sz="2800" dirty="0" smtClean="0">
+                <a:solidFill>
+                  <a:srgbClr val="3B3439"/>
+                </a:solidFill>
+                <a:latin typeface="Arial Unicode MS" panose="020B0604020202020204" pitchFamily="34" charset="-122"/>
+                <a:ea typeface="Arial Unicode MS" panose="020B0604020202020204" pitchFamily="34" charset="-122"/>
+                <a:cs typeface="Arial Unicode MS" panose="020B0604020202020204" pitchFamily="34" charset="-122"/>
+              </a:rPr>
+              <a:t>2</a:t>
+            </a:r>
+            <a:r>
+              <a:rPr kumimoji="1" lang="zh-CN" altLang="en-US" sz="2800" dirty="0" smtClean="0">
+                <a:solidFill>
+                  <a:srgbClr val="3B3439"/>
+                </a:solidFill>
+                <a:latin typeface="Arial Unicode MS" panose="020B0604020202020204" pitchFamily="34" charset="-122"/>
+                <a:ea typeface="Arial Unicode MS" panose="020B0604020202020204" pitchFamily="34" charset="-122"/>
+                <a:cs typeface="Arial Unicode MS" panose="020B0604020202020204" pitchFamily="34" charset="-122"/>
+              </a:rPr>
+              <a:t>、单库</a:t>
+            </a:r>
+            <a:r>
+              <a:rPr kumimoji="1" lang="en-US" altLang="zh-CN" sz="2800" dirty="0" err="1" smtClean="0">
+                <a:solidFill>
+                  <a:srgbClr val="3B3439"/>
+                </a:solidFill>
+                <a:latin typeface="Arial Unicode MS" panose="020B0604020202020204" pitchFamily="34" charset="-122"/>
+                <a:ea typeface="Arial Unicode MS" panose="020B0604020202020204" pitchFamily="34" charset="-122"/>
+                <a:cs typeface="Arial Unicode MS" panose="020B0604020202020204" pitchFamily="34" charset="-122"/>
+              </a:rPr>
+              <a:t>mysql</a:t>
+            </a:r>
+            <a:r>
+              <a:rPr kumimoji="1" lang="zh-CN" altLang="en-US" sz="2800" dirty="0" smtClean="0">
+                <a:solidFill>
+                  <a:srgbClr val="3B3439"/>
+                </a:solidFill>
+                <a:latin typeface="Arial Unicode MS" panose="020B0604020202020204" pitchFamily="34" charset="-122"/>
+                <a:ea typeface="Arial Unicode MS" panose="020B0604020202020204" pitchFamily="34" charset="-122"/>
+                <a:cs typeface="Arial Unicode MS" panose="020B0604020202020204" pitchFamily="34" charset="-122"/>
+              </a:rPr>
+              <a:t>处理计算</a:t>
+            </a:r>
+            <a:endParaRPr kumimoji="1" lang="en-US" altLang="zh-CN" sz="2800" dirty="0" smtClean="0">
+              <a:solidFill>
+                <a:srgbClr val="3B3439"/>
+              </a:solidFill>
+              <a:latin typeface="Arial Unicode MS" panose="020B0604020202020204" pitchFamily="34" charset="-122"/>
+              <a:ea typeface="Arial Unicode MS" panose="020B0604020202020204" pitchFamily="34" charset="-122"/>
+              <a:cs typeface="Arial Unicode MS" panose="020B0604020202020204" pitchFamily="34" charset="-122"/>
+            </a:endParaRPr>
+          </a:p>
+          <a:p>
+            <a:r>
+              <a:rPr kumimoji="1" lang="zh-CN" altLang="zh-CN" sz="2800" dirty="0" smtClean="0">
+                <a:solidFill>
+                  <a:srgbClr val="3B3439"/>
+                </a:solidFill>
+                <a:latin typeface="Arial Unicode MS" panose="020B0604020202020204" pitchFamily="34" charset="-122"/>
+                <a:ea typeface="Arial Unicode MS" panose="020B0604020202020204" pitchFamily="34" charset="-122"/>
+                <a:cs typeface="Arial Unicode MS" panose="020B0604020202020204" pitchFamily="34" charset="-122"/>
+              </a:rPr>
+              <a:t>3</a:t>
+            </a:r>
+            <a:r>
+              <a:rPr kumimoji="1" lang="zh-CN" altLang="en-US" sz="2800" dirty="0" smtClean="0">
+                <a:solidFill>
+                  <a:srgbClr val="3B3439"/>
+                </a:solidFill>
+                <a:latin typeface="Arial Unicode MS" panose="020B0604020202020204" pitchFamily="34" charset="-122"/>
+                <a:ea typeface="Arial Unicode MS" panose="020B0604020202020204" pitchFamily="34" charset="-122"/>
+                <a:cs typeface="Arial Unicode MS" panose="020B0604020202020204" pitchFamily="34" charset="-122"/>
+              </a:rPr>
+              <a:t>、单库</a:t>
+            </a:r>
+            <a:r>
+              <a:rPr kumimoji="1" lang="en-US" altLang="zh-CN" sz="2800" dirty="0" err="1" smtClean="0">
+                <a:solidFill>
+                  <a:srgbClr val="3B3439"/>
+                </a:solidFill>
+                <a:latin typeface="Arial Unicode MS" panose="020B0604020202020204" pitchFamily="34" charset="-122"/>
+                <a:ea typeface="Arial Unicode MS" panose="020B0604020202020204" pitchFamily="34" charset="-122"/>
+                <a:cs typeface="Arial Unicode MS" panose="020B0604020202020204" pitchFamily="34" charset="-122"/>
+              </a:rPr>
+              <a:t>mysql</a:t>
+            </a:r>
+            <a:r>
+              <a:rPr kumimoji="1" lang="zh-CN" altLang="en-US" sz="2800" dirty="0" smtClean="0">
+                <a:solidFill>
+                  <a:srgbClr val="3B3439"/>
+                </a:solidFill>
+                <a:latin typeface="Arial Unicode MS" panose="020B0604020202020204" pitchFamily="34" charset="-122"/>
+                <a:ea typeface="Arial Unicode MS" panose="020B0604020202020204" pitchFamily="34" charset="-122"/>
+                <a:cs typeface="Arial Unicode MS" panose="020B0604020202020204" pitchFamily="34" charset="-122"/>
+              </a:rPr>
+              <a:t>部分计算迁移到客户端全量计算</a:t>
+            </a:r>
+            <a:endParaRPr kumimoji="1" lang="en-US" altLang="zh-CN" sz="2800" dirty="0" smtClean="0">
+              <a:solidFill>
+                <a:srgbClr val="3B3439"/>
+              </a:solidFill>
+              <a:latin typeface="Arial Unicode MS" panose="020B0604020202020204" pitchFamily="34" charset="-122"/>
+              <a:ea typeface="Arial Unicode MS" panose="020B0604020202020204" pitchFamily="34" charset="-122"/>
+              <a:cs typeface="Arial Unicode MS" panose="020B0604020202020204" pitchFamily="34" charset="-122"/>
+            </a:endParaRPr>
+          </a:p>
+          <a:p>
+            <a:r>
+              <a:rPr kumimoji="1" lang="zh-CN" altLang="zh-CN" sz="2800" dirty="0" smtClean="0">
+                <a:solidFill>
+                  <a:srgbClr val="3B3439"/>
+                </a:solidFill>
+                <a:latin typeface="Arial Unicode MS" panose="020B0604020202020204" pitchFamily="34" charset="-122"/>
+                <a:ea typeface="Arial Unicode MS" panose="020B0604020202020204" pitchFamily="34" charset="-122"/>
+                <a:cs typeface="Arial Unicode MS" panose="020B0604020202020204" pitchFamily="34" charset="-122"/>
+              </a:rPr>
+              <a:t>4</a:t>
+            </a:r>
+            <a:r>
+              <a:rPr kumimoji="1" lang="zh-CN" altLang="en-US" sz="2800" dirty="0" smtClean="0">
+                <a:solidFill>
+                  <a:srgbClr val="3B3439"/>
+                </a:solidFill>
+                <a:latin typeface="Arial Unicode MS" panose="020B0604020202020204" pitchFamily="34" charset="-122"/>
+                <a:ea typeface="Arial Unicode MS" panose="020B0604020202020204" pitchFamily="34" charset="-122"/>
+                <a:cs typeface="Arial Unicode MS" panose="020B0604020202020204" pitchFamily="34" charset="-122"/>
+              </a:rPr>
+              <a:t>、</a:t>
+            </a:r>
+            <a:r>
+              <a:rPr kumimoji="1" lang="zh-CN" altLang="en-US" sz="2800" dirty="0">
+                <a:solidFill>
+                  <a:srgbClr val="3B3439"/>
+                </a:solidFill>
+                <a:latin typeface="Arial Unicode MS" panose="020B0604020202020204" pitchFamily="34" charset="-122"/>
+                <a:ea typeface="Arial Unicode MS" panose="020B0604020202020204" pitchFamily="34" charset="-122"/>
+                <a:cs typeface="Arial Unicode MS" panose="020B0604020202020204" pitchFamily="34" charset="-122"/>
+              </a:rPr>
+              <a:t>单库</a:t>
+            </a:r>
+            <a:r>
+              <a:rPr kumimoji="1" lang="en-US" altLang="zh-CN" sz="2800" dirty="0" err="1">
+                <a:solidFill>
+                  <a:srgbClr val="3B3439"/>
+                </a:solidFill>
+                <a:latin typeface="Arial Unicode MS" panose="020B0604020202020204" pitchFamily="34" charset="-122"/>
+                <a:ea typeface="Arial Unicode MS" panose="020B0604020202020204" pitchFamily="34" charset="-122"/>
+                <a:cs typeface="Arial Unicode MS" panose="020B0604020202020204" pitchFamily="34" charset="-122"/>
+              </a:rPr>
+              <a:t>mysql</a:t>
+            </a:r>
+            <a:r>
+              <a:rPr kumimoji="1" lang="zh-CN" altLang="en-US" sz="2800" dirty="0" smtClean="0">
+                <a:solidFill>
+                  <a:srgbClr val="3B3439"/>
+                </a:solidFill>
+                <a:latin typeface="Arial Unicode MS" panose="020B0604020202020204" pitchFamily="34" charset="-122"/>
+                <a:ea typeface="Arial Unicode MS" panose="020B0604020202020204" pitchFamily="34" charset="-122"/>
+                <a:cs typeface="Arial Unicode MS" panose="020B0604020202020204" pitchFamily="34" charset="-122"/>
+              </a:rPr>
+              <a:t>部分计算迁移到客户端</a:t>
+            </a:r>
+            <a:r>
+              <a:rPr kumimoji="1" lang="zh-CN" altLang="en-US" sz="2800" dirty="0" smtClean="0">
+                <a:solidFill>
+                  <a:srgbClr val="3B3439"/>
+                </a:solidFill>
+                <a:latin typeface="Arial Unicode MS" panose="020B0604020202020204" pitchFamily="34" charset="-122"/>
+                <a:ea typeface="Arial Unicode MS" panose="020B0604020202020204" pitchFamily="34" charset="-122"/>
+                <a:cs typeface="Arial Unicode MS" panose="020B0604020202020204" pitchFamily="34" charset="-122"/>
+              </a:rPr>
+              <a:t>缓存计算</a:t>
+            </a:r>
+            <a:endParaRPr kumimoji="1" lang="zh-CN" altLang="en-US" sz="2800" dirty="0" smtClean="0">
+              <a:solidFill>
+                <a:srgbClr val="3B3439"/>
+              </a:solidFill>
+              <a:latin typeface="Arial Unicode MS" panose="020B0604020202020204" pitchFamily="34" charset="-122"/>
+              <a:ea typeface="Arial Unicode MS" panose="020B0604020202020204" pitchFamily="34" charset="-122"/>
+              <a:cs typeface="Arial Unicode MS" panose="020B0604020202020204" pitchFamily="34" charset="-122"/>
+            </a:endParaRPr>
+          </a:p>
+        </p:txBody>
+      </p:sp>
+      <p:sp>
+        <p:nvSpPr>
+          <p:cNvPr id="4" name="TextBox 4"/>
+          <p:cNvSpPr txBox="1"/>
+          <p:nvPr/>
+        </p:nvSpPr>
+        <p:spPr>
+          <a:xfrm>
+            <a:off x="880311" y="618392"/>
+            <a:ext cx="3954929" cy="523220"/>
+          </a:xfrm>
+          <a:prstGeom prst="rect">
+            <a:avLst/>
+          </a:prstGeom>
+          <a:noFill/>
+        </p:spPr>
+        <p:txBody>
+          <a:bodyPr wrap="none" rtlCol="0">
+            <a:spAutoFit/>
+          </a:bodyPr>
+          <a:lstStyle/>
+          <a:p>
+            <a:r>
+              <a:rPr kumimoji="1" lang="zh-CN" altLang="en-US" sz="2800" dirty="0">
+                <a:solidFill>
+                  <a:srgbClr val="3B3439"/>
+                </a:solidFill>
+                <a:latin typeface="+mn-ea"/>
+                <a:cs typeface="Arial Unicode MS" panose="020B0604020202020204" pitchFamily="34" charset="-122"/>
+              </a:rPr>
+              <a:t>迭代工作内容</a:t>
+            </a:r>
+            <a:r>
+              <a:rPr kumimoji="1" lang="en-US" altLang="zh-CN" sz="2800" dirty="0" smtClean="0">
+                <a:solidFill>
+                  <a:srgbClr val="3B3439"/>
+                </a:solidFill>
+                <a:latin typeface="+mn-ea"/>
+                <a:cs typeface="Arial Unicode MS" panose="020B0604020202020204" pitchFamily="34" charset="-122"/>
+              </a:rPr>
+              <a:t>-</a:t>
+            </a:r>
+            <a:r>
+              <a:rPr kumimoji="1" lang="zh-CN" altLang="en-US" sz="2800" dirty="0" smtClean="0">
+                <a:solidFill>
+                  <a:srgbClr val="3B3439"/>
+                </a:solidFill>
+                <a:latin typeface="+mn-ea"/>
+                <a:cs typeface="Arial Unicode MS" panose="020B0604020202020204" pitchFamily="34" charset="-122"/>
+              </a:rPr>
+              <a:t>告警归并</a:t>
+            </a:r>
+            <a:r>
+              <a:rPr kumimoji="1" lang="en-US" altLang="zh-CN" sz="2800" dirty="0" smtClean="0">
+                <a:solidFill>
+                  <a:srgbClr val="3B3439"/>
+                </a:solidFill>
+                <a:latin typeface="+mn-ea"/>
+                <a:cs typeface="Arial Unicode MS" panose="020B0604020202020204" pitchFamily="34" charset="-122"/>
+              </a:rPr>
+              <a:t>    </a:t>
+            </a:r>
+            <a:endParaRPr kumimoji="1" lang="en-US" altLang="zh-CN" sz="2800" dirty="0">
+              <a:solidFill>
+                <a:srgbClr val="3B3439"/>
+              </a:solidFill>
+              <a:latin typeface="+mn-ea"/>
+              <a:cs typeface="Arial Unicode MS" panose="020B0604020202020204" pitchFamily="34" charset="-122"/>
+            </a:endParaRPr>
+          </a:p>
+        </p:txBody>
+      </p:sp>
+      <p:pic>
+        <p:nvPicPr>
+          <p:cNvPr id="5" name="Picture 2" descr="C:\Users\Administrator\Desktop\新版PPT模板21435456.png"/>
+          <p:cNvPicPr>
+            <a:picLocks noChangeAspect="1" noChangeArrowheads="1"/>
+          </p:cNvPicPr>
+          <p:nvPr/>
+        </p:nvPicPr>
+        <p:blipFill>
+          <a:blip r:embed="rId3" cstate="print"/>
+          <a:srcRect/>
+          <a:stretch>
+            <a:fillRect/>
+          </a:stretch>
+        </p:blipFill>
+        <p:spPr bwMode="auto">
+          <a:xfrm>
+            <a:off x="678053" y="1258697"/>
+            <a:ext cx="1702414" cy="67183"/>
+          </a:xfrm>
+          <a:prstGeom prst="rect">
+            <a:avLst/>
+          </a:prstGeom>
+          <a:noFill/>
+        </p:spPr>
+      </p:pic>
+    </p:spTree>
+    <p:extLst>
+      <p:ext uri="{BB962C8B-B14F-4D97-AF65-F5344CB8AC3E}">
+        <p14:creationId xmlns:p14="http://schemas.microsoft.com/office/powerpoint/2010/main" val="2280410284"/>
+      </p:ext>
+    </p:extLst>
+  </p:cSld>
+  <p:clrMapOvr>
+    <a:masterClrMapping/>
+  </p:clrMapOvr>
+  <p:timing>
+    <p:tnLst>
+      <p:par>
+        <p:cTn xmlns:p14="http://schemas.microsoft.com/office/powerpoint/2010/main" id="1" dur="indefinite" restart="never" nodeType="tmRoot"/>
+      </p:par>
+    </p:tnLst>
+  </p:timing>
+</p:sld>
+</file>
+
+<file path=ppt/slides/slide7.xml><?xml version="1.0" encoding="utf-8"?>
+<p:sld xmlns:a="http://schemas.openxmlformats.org/drawingml/2006/main" xmlns:r="http://schemas.openxmlformats.org/officeDocument/2006/relationships" xmlns:p="http://schemas.openxmlformats.org/presentationml/2006/main">
+  <p:cSld>
+    <p:spTree>
+      <p:nvGrpSpPr>
+        <p:cNvPr id="1" name=""/>
+        <p:cNvGrpSpPr/>
+        <p:nvPr/>
+      </p:nvGrpSpPr>
+      <p:grpSpPr>
+        <a:xfrm>
+          <a:off x="0" y="0"/>
+          <a:ext cx="0" cy="0"/>
+          <a:chOff x="0" y="0"/>
+          <a:chExt cx="0" cy="0"/>
+        </a:xfrm>
+      </p:grpSpPr>
+      <p:sp>
+        <p:nvSpPr>
+          <p:cNvPr id="3" name="文本框 2"/>
+          <p:cNvSpPr txBox="1"/>
+          <p:nvPr/>
+        </p:nvSpPr>
+        <p:spPr>
+          <a:xfrm>
+            <a:off x="812800" y="1386488"/>
+            <a:ext cx="10376606" cy="523220"/>
+          </a:xfrm>
+          <a:prstGeom prst="rect">
+            <a:avLst/>
+          </a:prstGeom>
+          <a:noFill/>
+        </p:spPr>
+        <p:txBody>
+          <a:bodyPr wrap="square" rtlCol="0">
+            <a:spAutoFit/>
+          </a:bodyPr>
+          <a:lstStyle/>
+          <a:p>
+            <a:r>
+              <a:rPr kumimoji="1" lang="zh-CN" altLang="en-US" sz="2800" dirty="0" smtClean="0">
+                <a:solidFill>
+                  <a:srgbClr val="3B3439"/>
+                </a:solidFill>
+                <a:latin typeface="Arial Unicode MS" panose="020B0604020202020204" pitchFamily="34" charset="-122"/>
+                <a:ea typeface="Arial Unicode MS" panose="020B0604020202020204" pitchFamily="34" charset="-122"/>
+                <a:cs typeface="Arial Unicode MS" panose="020B0604020202020204" pitchFamily="34" charset="-122"/>
+              </a:rPr>
+              <a:t>关于告警归并与关联分析探讨</a:t>
+            </a:r>
+            <a:endParaRPr kumimoji="1" lang="zh-CN" altLang="en-US" sz="2800" dirty="0" smtClean="0">
+              <a:solidFill>
+                <a:srgbClr val="3B3439"/>
+              </a:solidFill>
+              <a:latin typeface="Arial Unicode MS" panose="020B0604020202020204" pitchFamily="34" charset="-122"/>
+              <a:ea typeface="Arial Unicode MS" panose="020B0604020202020204" pitchFamily="34" charset="-122"/>
+              <a:cs typeface="Arial Unicode MS" panose="020B0604020202020204" pitchFamily="34" charset="-122"/>
+            </a:endParaRPr>
+          </a:p>
+        </p:txBody>
+      </p:sp>
+      <p:sp>
+        <p:nvSpPr>
+          <p:cNvPr id="4" name="TextBox 4"/>
+          <p:cNvSpPr txBox="1"/>
+          <p:nvPr/>
+        </p:nvSpPr>
+        <p:spPr>
+          <a:xfrm>
+            <a:off x="880311" y="618392"/>
+            <a:ext cx="3954929" cy="523220"/>
+          </a:xfrm>
+          <a:prstGeom prst="rect">
+            <a:avLst/>
+          </a:prstGeom>
+          <a:noFill/>
+        </p:spPr>
+        <p:txBody>
+          <a:bodyPr wrap="none" rtlCol="0">
+            <a:spAutoFit/>
+          </a:bodyPr>
+          <a:lstStyle/>
+          <a:p>
+            <a:r>
+              <a:rPr kumimoji="1" lang="zh-CN" altLang="en-US" sz="2800" dirty="0">
+                <a:solidFill>
+                  <a:srgbClr val="3B3439"/>
+                </a:solidFill>
+                <a:latin typeface="+mn-ea"/>
+                <a:cs typeface="Arial Unicode MS" panose="020B0604020202020204" pitchFamily="34" charset="-122"/>
+              </a:rPr>
+              <a:t>迭代工作内容</a:t>
+            </a:r>
+            <a:r>
+              <a:rPr kumimoji="1" lang="en-US" altLang="zh-CN" sz="2800" dirty="0" smtClean="0">
+                <a:solidFill>
+                  <a:srgbClr val="3B3439"/>
+                </a:solidFill>
+                <a:latin typeface="+mn-ea"/>
+                <a:cs typeface="Arial Unicode MS" panose="020B0604020202020204" pitchFamily="34" charset="-122"/>
+              </a:rPr>
+              <a:t>-</a:t>
+            </a:r>
+            <a:r>
+              <a:rPr kumimoji="1" lang="zh-CN" altLang="en-US" sz="2800" dirty="0" smtClean="0">
+                <a:solidFill>
+                  <a:srgbClr val="3B3439"/>
+                </a:solidFill>
+                <a:latin typeface="+mn-ea"/>
+                <a:cs typeface="Arial Unicode MS" panose="020B0604020202020204" pitchFamily="34" charset="-122"/>
+              </a:rPr>
+              <a:t>告警归并</a:t>
+            </a:r>
+            <a:r>
+              <a:rPr kumimoji="1" lang="en-US" altLang="zh-CN" sz="2800" dirty="0" smtClean="0">
+                <a:solidFill>
+                  <a:srgbClr val="3B3439"/>
+                </a:solidFill>
+                <a:latin typeface="+mn-ea"/>
+                <a:cs typeface="Arial Unicode MS" panose="020B0604020202020204" pitchFamily="34" charset="-122"/>
+              </a:rPr>
+              <a:t>    </a:t>
+            </a:r>
+            <a:endParaRPr kumimoji="1" lang="en-US" altLang="zh-CN" sz="2800" dirty="0">
+              <a:solidFill>
+                <a:srgbClr val="3B3439"/>
+              </a:solidFill>
+              <a:latin typeface="+mn-ea"/>
+              <a:cs typeface="Arial Unicode MS" panose="020B0604020202020204" pitchFamily="34" charset="-122"/>
+            </a:endParaRPr>
+          </a:p>
+        </p:txBody>
+      </p:sp>
+      <p:pic>
+        <p:nvPicPr>
+          <p:cNvPr id="5" name="Picture 2" descr="C:\Users\Administrator\Desktop\新版PPT模板21435456.png"/>
+          <p:cNvPicPr>
+            <a:picLocks noChangeAspect="1" noChangeArrowheads="1"/>
+          </p:cNvPicPr>
+          <p:nvPr/>
+        </p:nvPicPr>
+        <p:blipFill>
+          <a:blip r:embed="rId3" cstate="print"/>
+          <a:srcRect/>
+          <a:stretch>
+            <a:fillRect/>
+          </a:stretch>
+        </p:blipFill>
+        <p:spPr bwMode="auto">
+          <a:xfrm>
+            <a:off x="678053" y="1258697"/>
+            <a:ext cx="1702414" cy="67183"/>
+          </a:xfrm>
+          <a:prstGeom prst="rect">
+            <a:avLst/>
+          </a:prstGeom>
+          <a:noFill/>
+        </p:spPr>
+      </p:pic>
+    </p:spTree>
+    <p:extLst>
+      <p:ext uri="{BB962C8B-B14F-4D97-AF65-F5344CB8AC3E}">
+        <p14:creationId xmlns:p14="http://schemas.microsoft.com/office/powerpoint/2010/main" val="3674936245"/>
       </p:ext>
     </p:extLst>
   </p:cSld>

--- a/入职总结-坤极.pptx
+++ b/入职总结-坤极.pptx
@@ -5,7 +5,7 @@
     <p:sldMasterId id="2147483648" r:id="rId1"/>
   </p:sldMasterIdLst>
   <p:notesMasterIdLst>
-    <p:notesMasterId r:id="rId9"/>
+    <p:notesMasterId r:id="rId17"/>
   </p:notesMasterIdLst>
   <p:sldIdLst>
     <p:sldId id="301" r:id="rId2"/>
@@ -15,6 +15,14 @@
     <p:sldId id="384" r:id="rId6"/>
     <p:sldId id="386" r:id="rId7"/>
     <p:sldId id="385" r:id="rId8"/>
+    <p:sldId id="387" r:id="rId9"/>
+    <p:sldId id="388" r:id="rId10"/>
+    <p:sldId id="389" r:id="rId11"/>
+    <p:sldId id="391" r:id="rId12"/>
+    <p:sldId id="392" r:id="rId13"/>
+    <p:sldId id="390" r:id="rId14"/>
+    <p:sldId id="393" r:id="rId15"/>
+    <p:sldId id="394" r:id="rId16"/>
   </p:sldIdLst>
   <p:sldSz cx="12192000" cy="6858000"/>
   <p:notesSz cx="6858000" cy="9144000"/>
@@ -569,6 +577,431 @@
 </p:notes>
 </file>
 
+<file path=ppt/notesSlides/notesSlide10.xml><?xml version="1.0" encoding="utf-8"?>
+<p:notes xmlns:a="http://schemas.openxmlformats.org/drawingml/2006/main" xmlns:r="http://schemas.openxmlformats.org/officeDocument/2006/relationships" xmlns:p="http://schemas.openxmlformats.org/presentationml/2006/main">
+  <p:cSld>
+    <p:spTree>
+      <p:nvGrpSpPr>
+        <p:cNvPr id="1" name=""/>
+        <p:cNvGrpSpPr/>
+        <p:nvPr/>
+      </p:nvGrpSpPr>
+      <p:grpSpPr>
+        <a:xfrm>
+          <a:off x="0" y="0"/>
+          <a:ext cx="0" cy="0"/>
+          <a:chOff x="0" y="0"/>
+          <a:chExt cx="0" cy="0"/>
+        </a:xfrm>
+      </p:grpSpPr>
+      <p:sp>
+        <p:nvSpPr>
+          <p:cNvPr id="2" name="幻灯片图像占位符 1"/>
+          <p:cNvSpPr>
+            <a:spLocks noGrp="1" noRot="1" noChangeAspect="1"/>
+          </p:cNvSpPr>
+          <p:nvPr>
+            <p:ph type="sldImg"/>
+          </p:nvPr>
+        </p:nvSpPr>
+        <p:spPr/>
+      </p:sp>
+      <p:sp>
+        <p:nvSpPr>
+          <p:cNvPr id="3" name="备注占位符 2"/>
+          <p:cNvSpPr>
+            <a:spLocks noGrp="1"/>
+          </p:cNvSpPr>
+          <p:nvPr>
+            <p:ph type="body" idx="1"/>
+          </p:nvPr>
+        </p:nvSpPr>
+        <p:spPr/>
+        <p:txBody>
+          <a:bodyPr/>
+          <a:lstStyle/>
+          <a:p>
+            <a:endParaRPr lang="zh-CN" altLang="en-US" dirty="0"/>
+          </a:p>
+        </p:txBody>
+      </p:sp>
+      <p:sp>
+        <p:nvSpPr>
+          <p:cNvPr id="4" name="灯片编号占位符 3"/>
+          <p:cNvSpPr>
+            <a:spLocks noGrp="1"/>
+          </p:cNvSpPr>
+          <p:nvPr>
+            <p:ph type="sldNum" sz="quarter" idx="10"/>
+          </p:nvPr>
+        </p:nvSpPr>
+        <p:spPr/>
+        <p:txBody>
+          <a:bodyPr/>
+          <a:lstStyle/>
+          <a:p>
+            <a:fld id="{1925A24A-5B84-44C4-BF86-D00426138989}" type="slidenum">
+              <a:rPr lang="zh-CN" altLang="en-US" smtClean="0"/>
+              <a:pPr/>
+              <a:t>11</a:t>
+            </a:fld>
+            <a:endParaRPr lang="zh-CN" altLang="en-US"/>
+          </a:p>
+        </p:txBody>
+      </p:sp>
+    </p:spTree>
+    <p:extLst>
+      <p:ext uri="{BB962C8B-B14F-4D97-AF65-F5344CB8AC3E}">
+        <p14:creationId xmlns:p14="http://schemas.microsoft.com/office/powerpoint/2010/main" val="1442117753"/>
+      </p:ext>
+    </p:extLst>
+  </p:cSld>
+  <p:clrMapOvr>
+    <a:masterClrMapping/>
+  </p:clrMapOvr>
+</p:notes>
+</file>
+
+<file path=ppt/notesSlides/notesSlide11.xml><?xml version="1.0" encoding="utf-8"?>
+<p:notes xmlns:a="http://schemas.openxmlformats.org/drawingml/2006/main" xmlns:r="http://schemas.openxmlformats.org/officeDocument/2006/relationships" xmlns:p="http://schemas.openxmlformats.org/presentationml/2006/main">
+  <p:cSld>
+    <p:spTree>
+      <p:nvGrpSpPr>
+        <p:cNvPr id="1" name=""/>
+        <p:cNvGrpSpPr/>
+        <p:nvPr/>
+      </p:nvGrpSpPr>
+      <p:grpSpPr>
+        <a:xfrm>
+          <a:off x="0" y="0"/>
+          <a:ext cx="0" cy="0"/>
+          <a:chOff x="0" y="0"/>
+          <a:chExt cx="0" cy="0"/>
+        </a:xfrm>
+      </p:grpSpPr>
+      <p:sp>
+        <p:nvSpPr>
+          <p:cNvPr id="2" name="幻灯片图像占位符 1"/>
+          <p:cNvSpPr>
+            <a:spLocks noGrp="1" noRot="1" noChangeAspect="1"/>
+          </p:cNvSpPr>
+          <p:nvPr>
+            <p:ph type="sldImg"/>
+          </p:nvPr>
+        </p:nvSpPr>
+        <p:spPr/>
+      </p:sp>
+      <p:sp>
+        <p:nvSpPr>
+          <p:cNvPr id="3" name="备注占位符 2"/>
+          <p:cNvSpPr>
+            <a:spLocks noGrp="1"/>
+          </p:cNvSpPr>
+          <p:nvPr>
+            <p:ph type="body" idx="1"/>
+          </p:nvPr>
+        </p:nvSpPr>
+        <p:spPr/>
+        <p:txBody>
+          <a:bodyPr/>
+          <a:lstStyle/>
+          <a:p>
+            <a:endParaRPr lang="zh-CN" altLang="en-US" dirty="0"/>
+          </a:p>
+        </p:txBody>
+      </p:sp>
+      <p:sp>
+        <p:nvSpPr>
+          <p:cNvPr id="4" name="灯片编号占位符 3"/>
+          <p:cNvSpPr>
+            <a:spLocks noGrp="1"/>
+          </p:cNvSpPr>
+          <p:nvPr>
+            <p:ph type="sldNum" sz="quarter" idx="10"/>
+          </p:nvPr>
+        </p:nvSpPr>
+        <p:spPr/>
+        <p:txBody>
+          <a:bodyPr/>
+          <a:lstStyle/>
+          <a:p>
+            <a:fld id="{1925A24A-5B84-44C4-BF86-D00426138989}" type="slidenum">
+              <a:rPr lang="zh-CN" altLang="en-US" smtClean="0"/>
+              <a:pPr/>
+              <a:t>12</a:t>
+            </a:fld>
+            <a:endParaRPr lang="zh-CN" altLang="en-US"/>
+          </a:p>
+        </p:txBody>
+      </p:sp>
+    </p:spTree>
+    <p:extLst>
+      <p:ext uri="{BB962C8B-B14F-4D97-AF65-F5344CB8AC3E}">
+        <p14:creationId xmlns:p14="http://schemas.microsoft.com/office/powerpoint/2010/main" val="1442117753"/>
+      </p:ext>
+    </p:extLst>
+  </p:cSld>
+  <p:clrMapOvr>
+    <a:masterClrMapping/>
+  </p:clrMapOvr>
+</p:notes>
+</file>
+
+<file path=ppt/notesSlides/notesSlide12.xml><?xml version="1.0" encoding="utf-8"?>
+<p:notes xmlns:a="http://schemas.openxmlformats.org/drawingml/2006/main" xmlns:r="http://schemas.openxmlformats.org/officeDocument/2006/relationships" xmlns:p="http://schemas.openxmlformats.org/presentationml/2006/main">
+  <p:cSld>
+    <p:spTree>
+      <p:nvGrpSpPr>
+        <p:cNvPr id="1" name=""/>
+        <p:cNvGrpSpPr/>
+        <p:nvPr/>
+      </p:nvGrpSpPr>
+      <p:grpSpPr>
+        <a:xfrm>
+          <a:off x="0" y="0"/>
+          <a:ext cx="0" cy="0"/>
+          <a:chOff x="0" y="0"/>
+          <a:chExt cx="0" cy="0"/>
+        </a:xfrm>
+      </p:grpSpPr>
+      <p:sp>
+        <p:nvSpPr>
+          <p:cNvPr id="2" name="幻灯片图像占位符 1"/>
+          <p:cNvSpPr>
+            <a:spLocks noGrp="1" noRot="1" noChangeAspect="1"/>
+          </p:cNvSpPr>
+          <p:nvPr>
+            <p:ph type="sldImg"/>
+          </p:nvPr>
+        </p:nvSpPr>
+        <p:spPr/>
+      </p:sp>
+      <p:sp>
+        <p:nvSpPr>
+          <p:cNvPr id="3" name="备注占位符 2"/>
+          <p:cNvSpPr>
+            <a:spLocks noGrp="1"/>
+          </p:cNvSpPr>
+          <p:nvPr>
+            <p:ph type="body" idx="1"/>
+          </p:nvPr>
+        </p:nvSpPr>
+        <p:spPr/>
+        <p:txBody>
+          <a:bodyPr/>
+          <a:lstStyle/>
+          <a:p>
+            <a:endParaRPr lang="zh-CN" altLang="en-US" dirty="0"/>
+          </a:p>
+        </p:txBody>
+      </p:sp>
+      <p:sp>
+        <p:nvSpPr>
+          <p:cNvPr id="4" name="灯片编号占位符 3"/>
+          <p:cNvSpPr>
+            <a:spLocks noGrp="1"/>
+          </p:cNvSpPr>
+          <p:nvPr>
+            <p:ph type="sldNum" sz="quarter" idx="10"/>
+          </p:nvPr>
+        </p:nvSpPr>
+        <p:spPr/>
+        <p:txBody>
+          <a:bodyPr/>
+          <a:lstStyle/>
+          <a:p>
+            <a:fld id="{1925A24A-5B84-44C4-BF86-D00426138989}" type="slidenum">
+              <a:rPr lang="zh-CN" altLang="en-US" smtClean="0"/>
+              <a:pPr/>
+              <a:t>13</a:t>
+            </a:fld>
+            <a:endParaRPr lang="zh-CN" altLang="en-US"/>
+          </a:p>
+        </p:txBody>
+      </p:sp>
+    </p:spTree>
+    <p:extLst>
+      <p:ext uri="{BB962C8B-B14F-4D97-AF65-F5344CB8AC3E}">
+        <p14:creationId xmlns:p14="http://schemas.microsoft.com/office/powerpoint/2010/main" val="1442117753"/>
+      </p:ext>
+    </p:extLst>
+  </p:cSld>
+  <p:clrMapOvr>
+    <a:masterClrMapping/>
+  </p:clrMapOvr>
+</p:notes>
+</file>
+
+<file path=ppt/notesSlides/notesSlide13.xml><?xml version="1.0" encoding="utf-8"?>
+<p:notes xmlns:a="http://schemas.openxmlformats.org/drawingml/2006/main" xmlns:r="http://schemas.openxmlformats.org/officeDocument/2006/relationships" xmlns:p="http://schemas.openxmlformats.org/presentationml/2006/main">
+  <p:cSld>
+    <p:spTree>
+      <p:nvGrpSpPr>
+        <p:cNvPr id="1" name=""/>
+        <p:cNvGrpSpPr/>
+        <p:nvPr/>
+      </p:nvGrpSpPr>
+      <p:grpSpPr>
+        <a:xfrm>
+          <a:off x="0" y="0"/>
+          <a:ext cx="0" cy="0"/>
+          <a:chOff x="0" y="0"/>
+          <a:chExt cx="0" cy="0"/>
+        </a:xfrm>
+      </p:grpSpPr>
+      <p:sp>
+        <p:nvSpPr>
+          <p:cNvPr id="2" name="幻灯片图像占位符 1"/>
+          <p:cNvSpPr>
+            <a:spLocks noGrp="1" noRot="1" noChangeAspect="1"/>
+          </p:cNvSpPr>
+          <p:nvPr>
+            <p:ph type="sldImg"/>
+          </p:nvPr>
+        </p:nvSpPr>
+        <p:spPr/>
+      </p:sp>
+      <p:sp>
+        <p:nvSpPr>
+          <p:cNvPr id="3" name="备注占位符 2"/>
+          <p:cNvSpPr>
+            <a:spLocks noGrp="1"/>
+          </p:cNvSpPr>
+          <p:nvPr>
+            <p:ph type="body" idx="1"/>
+          </p:nvPr>
+        </p:nvSpPr>
+        <p:spPr/>
+        <p:txBody>
+          <a:bodyPr/>
+          <a:lstStyle/>
+          <a:p>
+            <a:endParaRPr lang="zh-CN" altLang="en-US" dirty="0"/>
+          </a:p>
+        </p:txBody>
+      </p:sp>
+      <p:sp>
+        <p:nvSpPr>
+          <p:cNvPr id="4" name="灯片编号占位符 3"/>
+          <p:cNvSpPr>
+            <a:spLocks noGrp="1"/>
+          </p:cNvSpPr>
+          <p:nvPr>
+            <p:ph type="sldNum" sz="quarter" idx="10"/>
+          </p:nvPr>
+        </p:nvSpPr>
+        <p:spPr/>
+        <p:txBody>
+          <a:bodyPr/>
+          <a:lstStyle/>
+          <a:p>
+            <a:fld id="{1925A24A-5B84-44C4-BF86-D00426138989}" type="slidenum">
+              <a:rPr lang="zh-CN" altLang="en-US" smtClean="0"/>
+              <a:pPr/>
+              <a:t>14</a:t>
+            </a:fld>
+            <a:endParaRPr lang="zh-CN" altLang="en-US"/>
+          </a:p>
+        </p:txBody>
+      </p:sp>
+    </p:spTree>
+    <p:extLst>
+      <p:ext uri="{BB962C8B-B14F-4D97-AF65-F5344CB8AC3E}">
+        <p14:creationId xmlns:p14="http://schemas.microsoft.com/office/powerpoint/2010/main" val="1442117753"/>
+      </p:ext>
+    </p:extLst>
+  </p:cSld>
+  <p:clrMapOvr>
+    <a:masterClrMapping/>
+  </p:clrMapOvr>
+</p:notes>
+</file>
+
+<file path=ppt/notesSlides/notesSlide14.xml><?xml version="1.0" encoding="utf-8"?>
+<p:notes xmlns:a="http://schemas.openxmlformats.org/drawingml/2006/main" xmlns:r="http://schemas.openxmlformats.org/officeDocument/2006/relationships" xmlns:p="http://schemas.openxmlformats.org/presentationml/2006/main">
+  <p:cSld>
+    <p:spTree>
+      <p:nvGrpSpPr>
+        <p:cNvPr id="1" name=""/>
+        <p:cNvGrpSpPr/>
+        <p:nvPr/>
+      </p:nvGrpSpPr>
+      <p:grpSpPr>
+        <a:xfrm>
+          <a:off x="0" y="0"/>
+          <a:ext cx="0" cy="0"/>
+          <a:chOff x="0" y="0"/>
+          <a:chExt cx="0" cy="0"/>
+        </a:xfrm>
+      </p:grpSpPr>
+      <p:sp>
+        <p:nvSpPr>
+          <p:cNvPr id="2" name="幻灯片图像占位符 1"/>
+          <p:cNvSpPr>
+            <a:spLocks noGrp="1" noRot="1" noChangeAspect="1"/>
+          </p:cNvSpPr>
+          <p:nvPr>
+            <p:ph type="sldImg"/>
+          </p:nvPr>
+        </p:nvSpPr>
+        <p:spPr/>
+      </p:sp>
+      <p:sp>
+        <p:nvSpPr>
+          <p:cNvPr id="3" name="备注占位符 2"/>
+          <p:cNvSpPr>
+            <a:spLocks noGrp="1"/>
+          </p:cNvSpPr>
+          <p:nvPr>
+            <p:ph type="body" idx="1"/>
+          </p:nvPr>
+        </p:nvSpPr>
+        <p:spPr/>
+        <p:txBody>
+          <a:bodyPr/>
+          <a:lstStyle/>
+          <a:p>
+            <a:endParaRPr lang="zh-CN" altLang="en-US" dirty="0"/>
+          </a:p>
+        </p:txBody>
+      </p:sp>
+      <p:sp>
+        <p:nvSpPr>
+          <p:cNvPr id="4" name="灯片编号占位符 3"/>
+          <p:cNvSpPr>
+            <a:spLocks noGrp="1"/>
+          </p:cNvSpPr>
+          <p:nvPr>
+            <p:ph type="sldNum" sz="quarter" idx="10"/>
+          </p:nvPr>
+        </p:nvSpPr>
+        <p:spPr/>
+        <p:txBody>
+          <a:bodyPr/>
+          <a:lstStyle/>
+          <a:p>
+            <a:fld id="{1925A24A-5B84-44C4-BF86-D00426138989}" type="slidenum">
+              <a:rPr lang="zh-CN" altLang="en-US" smtClean="0"/>
+              <a:pPr/>
+              <a:t>15</a:t>
+            </a:fld>
+            <a:endParaRPr lang="zh-CN" altLang="en-US"/>
+          </a:p>
+        </p:txBody>
+      </p:sp>
+    </p:spTree>
+    <p:extLst>
+      <p:ext uri="{BB962C8B-B14F-4D97-AF65-F5344CB8AC3E}">
+        <p14:creationId xmlns:p14="http://schemas.microsoft.com/office/powerpoint/2010/main" val="1442117753"/>
+      </p:ext>
+    </p:extLst>
+  </p:cSld>
+  <p:clrMapOvr>
+    <a:masterClrMapping/>
+  </p:clrMapOvr>
+</p:notes>
+</file>
+
 <file path=ppt/notesSlides/notesSlide2.xml><?xml version="1.0" encoding="utf-8"?>
 <p:notes xmlns:a="http://schemas.openxmlformats.org/drawingml/2006/main" xmlns:r="http://schemas.openxmlformats.org/officeDocument/2006/relationships" xmlns:p="http://schemas.openxmlformats.org/presentationml/2006/main">
   <p:cSld>
@@ -976,6 +1409,261 @@
               <a:rPr lang="zh-CN" altLang="en-US" smtClean="0"/>
               <a:pPr/>
               <a:t>7</a:t>
+            </a:fld>
+            <a:endParaRPr lang="zh-CN" altLang="en-US"/>
+          </a:p>
+        </p:txBody>
+      </p:sp>
+    </p:spTree>
+    <p:extLst>
+      <p:ext uri="{BB962C8B-B14F-4D97-AF65-F5344CB8AC3E}">
+        <p14:creationId xmlns:p14="http://schemas.microsoft.com/office/powerpoint/2010/main" val="1442117753"/>
+      </p:ext>
+    </p:extLst>
+  </p:cSld>
+  <p:clrMapOvr>
+    <a:masterClrMapping/>
+  </p:clrMapOvr>
+</p:notes>
+</file>
+
+<file path=ppt/notesSlides/notesSlide7.xml><?xml version="1.0" encoding="utf-8"?>
+<p:notes xmlns:a="http://schemas.openxmlformats.org/drawingml/2006/main" xmlns:r="http://schemas.openxmlformats.org/officeDocument/2006/relationships" xmlns:p="http://schemas.openxmlformats.org/presentationml/2006/main">
+  <p:cSld>
+    <p:spTree>
+      <p:nvGrpSpPr>
+        <p:cNvPr id="1" name=""/>
+        <p:cNvGrpSpPr/>
+        <p:nvPr/>
+      </p:nvGrpSpPr>
+      <p:grpSpPr>
+        <a:xfrm>
+          <a:off x="0" y="0"/>
+          <a:ext cx="0" cy="0"/>
+          <a:chOff x="0" y="0"/>
+          <a:chExt cx="0" cy="0"/>
+        </a:xfrm>
+      </p:grpSpPr>
+      <p:sp>
+        <p:nvSpPr>
+          <p:cNvPr id="2" name="幻灯片图像占位符 1"/>
+          <p:cNvSpPr>
+            <a:spLocks noGrp="1" noRot="1" noChangeAspect="1"/>
+          </p:cNvSpPr>
+          <p:nvPr>
+            <p:ph type="sldImg"/>
+          </p:nvPr>
+        </p:nvSpPr>
+        <p:spPr/>
+      </p:sp>
+      <p:sp>
+        <p:nvSpPr>
+          <p:cNvPr id="3" name="备注占位符 2"/>
+          <p:cNvSpPr>
+            <a:spLocks noGrp="1"/>
+          </p:cNvSpPr>
+          <p:nvPr>
+            <p:ph type="body" idx="1"/>
+          </p:nvPr>
+        </p:nvSpPr>
+        <p:spPr/>
+        <p:txBody>
+          <a:bodyPr/>
+          <a:lstStyle/>
+          <a:p>
+            <a:endParaRPr lang="zh-CN" altLang="en-US" dirty="0"/>
+          </a:p>
+        </p:txBody>
+      </p:sp>
+      <p:sp>
+        <p:nvSpPr>
+          <p:cNvPr id="4" name="灯片编号占位符 3"/>
+          <p:cNvSpPr>
+            <a:spLocks noGrp="1"/>
+          </p:cNvSpPr>
+          <p:nvPr>
+            <p:ph type="sldNum" sz="quarter" idx="10"/>
+          </p:nvPr>
+        </p:nvSpPr>
+        <p:spPr/>
+        <p:txBody>
+          <a:bodyPr/>
+          <a:lstStyle/>
+          <a:p>
+            <a:fld id="{1925A24A-5B84-44C4-BF86-D00426138989}" type="slidenum">
+              <a:rPr lang="zh-CN" altLang="en-US" smtClean="0"/>
+              <a:pPr/>
+              <a:t>8</a:t>
+            </a:fld>
+            <a:endParaRPr lang="zh-CN" altLang="en-US"/>
+          </a:p>
+        </p:txBody>
+      </p:sp>
+    </p:spTree>
+    <p:extLst>
+      <p:ext uri="{BB962C8B-B14F-4D97-AF65-F5344CB8AC3E}">
+        <p14:creationId xmlns:p14="http://schemas.microsoft.com/office/powerpoint/2010/main" val="1442117753"/>
+      </p:ext>
+    </p:extLst>
+  </p:cSld>
+  <p:clrMapOvr>
+    <a:masterClrMapping/>
+  </p:clrMapOvr>
+</p:notes>
+</file>
+
+<file path=ppt/notesSlides/notesSlide8.xml><?xml version="1.0" encoding="utf-8"?>
+<p:notes xmlns:a="http://schemas.openxmlformats.org/drawingml/2006/main" xmlns:r="http://schemas.openxmlformats.org/officeDocument/2006/relationships" xmlns:p="http://schemas.openxmlformats.org/presentationml/2006/main">
+  <p:cSld>
+    <p:spTree>
+      <p:nvGrpSpPr>
+        <p:cNvPr id="1" name=""/>
+        <p:cNvGrpSpPr/>
+        <p:nvPr/>
+      </p:nvGrpSpPr>
+      <p:grpSpPr>
+        <a:xfrm>
+          <a:off x="0" y="0"/>
+          <a:ext cx="0" cy="0"/>
+          <a:chOff x="0" y="0"/>
+          <a:chExt cx="0" cy="0"/>
+        </a:xfrm>
+      </p:grpSpPr>
+      <p:sp>
+        <p:nvSpPr>
+          <p:cNvPr id="2" name="幻灯片图像占位符 1"/>
+          <p:cNvSpPr>
+            <a:spLocks noGrp="1" noRot="1" noChangeAspect="1"/>
+          </p:cNvSpPr>
+          <p:nvPr>
+            <p:ph type="sldImg"/>
+          </p:nvPr>
+        </p:nvSpPr>
+        <p:spPr/>
+      </p:sp>
+      <p:sp>
+        <p:nvSpPr>
+          <p:cNvPr id="3" name="备注占位符 2"/>
+          <p:cNvSpPr>
+            <a:spLocks noGrp="1"/>
+          </p:cNvSpPr>
+          <p:nvPr>
+            <p:ph type="body" idx="1"/>
+          </p:nvPr>
+        </p:nvSpPr>
+        <p:spPr/>
+        <p:txBody>
+          <a:bodyPr/>
+          <a:lstStyle/>
+          <a:p>
+            <a:endParaRPr lang="zh-CN" altLang="en-US" dirty="0"/>
+          </a:p>
+        </p:txBody>
+      </p:sp>
+      <p:sp>
+        <p:nvSpPr>
+          <p:cNvPr id="4" name="灯片编号占位符 3"/>
+          <p:cNvSpPr>
+            <a:spLocks noGrp="1"/>
+          </p:cNvSpPr>
+          <p:nvPr>
+            <p:ph type="sldNum" sz="quarter" idx="10"/>
+          </p:nvPr>
+        </p:nvSpPr>
+        <p:spPr/>
+        <p:txBody>
+          <a:bodyPr/>
+          <a:lstStyle/>
+          <a:p>
+            <a:fld id="{1925A24A-5B84-44C4-BF86-D00426138989}" type="slidenum">
+              <a:rPr lang="zh-CN" altLang="en-US" smtClean="0"/>
+              <a:pPr/>
+              <a:t>9</a:t>
+            </a:fld>
+            <a:endParaRPr lang="zh-CN" altLang="en-US"/>
+          </a:p>
+        </p:txBody>
+      </p:sp>
+    </p:spTree>
+    <p:extLst>
+      <p:ext uri="{BB962C8B-B14F-4D97-AF65-F5344CB8AC3E}">
+        <p14:creationId xmlns:p14="http://schemas.microsoft.com/office/powerpoint/2010/main" val="1442117753"/>
+      </p:ext>
+    </p:extLst>
+  </p:cSld>
+  <p:clrMapOvr>
+    <a:masterClrMapping/>
+  </p:clrMapOvr>
+</p:notes>
+</file>
+
+<file path=ppt/notesSlides/notesSlide9.xml><?xml version="1.0" encoding="utf-8"?>
+<p:notes xmlns:a="http://schemas.openxmlformats.org/drawingml/2006/main" xmlns:r="http://schemas.openxmlformats.org/officeDocument/2006/relationships" xmlns:p="http://schemas.openxmlformats.org/presentationml/2006/main">
+  <p:cSld>
+    <p:spTree>
+      <p:nvGrpSpPr>
+        <p:cNvPr id="1" name=""/>
+        <p:cNvGrpSpPr/>
+        <p:nvPr/>
+      </p:nvGrpSpPr>
+      <p:grpSpPr>
+        <a:xfrm>
+          <a:off x="0" y="0"/>
+          <a:ext cx="0" cy="0"/>
+          <a:chOff x="0" y="0"/>
+          <a:chExt cx="0" cy="0"/>
+        </a:xfrm>
+      </p:grpSpPr>
+      <p:sp>
+        <p:nvSpPr>
+          <p:cNvPr id="2" name="幻灯片图像占位符 1"/>
+          <p:cNvSpPr>
+            <a:spLocks noGrp="1" noRot="1" noChangeAspect="1"/>
+          </p:cNvSpPr>
+          <p:nvPr>
+            <p:ph type="sldImg"/>
+          </p:nvPr>
+        </p:nvSpPr>
+        <p:spPr/>
+      </p:sp>
+      <p:sp>
+        <p:nvSpPr>
+          <p:cNvPr id="3" name="备注占位符 2"/>
+          <p:cNvSpPr>
+            <a:spLocks noGrp="1"/>
+          </p:cNvSpPr>
+          <p:nvPr>
+            <p:ph type="body" idx="1"/>
+          </p:nvPr>
+        </p:nvSpPr>
+        <p:spPr/>
+        <p:txBody>
+          <a:bodyPr/>
+          <a:lstStyle/>
+          <a:p>
+            <a:endParaRPr lang="zh-CN" altLang="en-US" dirty="0"/>
+          </a:p>
+        </p:txBody>
+      </p:sp>
+      <p:sp>
+        <p:nvSpPr>
+          <p:cNvPr id="4" name="灯片编号占位符 3"/>
+          <p:cNvSpPr>
+            <a:spLocks noGrp="1"/>
+          </p:cNvSpPr>
+          <p:nvPr>
+            <p:ph type="sldNum" sz="quarter" idx="10"/>
+          </p:nvPr>
+        </p:nvSpPr>
+        <p:spPr/>
+        <p:txBody>
+          <a:bodyPr/>
+          <a:lstStyle/>
+          <a:p>
+            <a:fld id="{1925A24A-5B84-44C4-BF86-D00426138989}" type="slidenum">
+              <a:rPr lang="zh-CN" altLang="en-US" smtClean="0"/>
+              <a:pPr/>
+              <a:t>10</a:t>
             </a:fld>
             <a:endParaRPr lang="zh-CN" altLang="en-US"/>
           </a:p>
@@ -1644,6 +2332,1489 @@
 </p:sld>
 </file>
 
+<file path=ppt/slides/slide10.xml><?xml version="1.0" encoding="utf-8"?>
+<p:sld xmlns:a="http://schemas.openxmlformats.org/drawingml/2006/main" xmlns:r="http://schemas.openxmlformats.org/officeDocument/2006/relationships" xmlns:p="http://schemas.openxmlformats.org/presentationml/2006/main">
+  <p:cSld>
+    <p:spTree>
+      <p:nvGrpSpPr>
+        <p:cNvPr id="1" name=""/>
+        <p:cNvGrpSpPr/>
+        <p:nvPr/>
+      </p:nvGrpSpPr>
+      <p:grpSpPr>
+        <a:xfrm>
+          <a:off x="0" y="0"/>
+          <a:ext cx="0" cy="0"/>
+          <a:chOff x="0" y="0"/>
+          <a:chExt cx="0" cy="0"/>
+        </a:xfrm>
+      </p:grpSpPr>
+      <p:sp>
+        <p:nvSpPr>
+          <p:cNvPr id="3" name="文本框 2"/>
+          <p:cNvSpPr txBox="1"/>
+          <p:nvPr/>
+        </p:nvSpPr>
+        <p:spPr>
+          <a:xfrm>
+            <a:off x="812800" y="1386488"/>
+            <a:ext cx="10376606" cy="2246769"/>
+          </a:xfrm>
+          <a:prstGeom prst="rect">
+            <a:avLst/>
+          </a:prstGeom>
+          <a:noFill/>
+        </p:spPr>
+        <p:txBody>
+          <a:bodyPr wrap="square" rtlCol="0">
+            <a:spAutoFit/>
+          </a:bodyPr>
+          <a:lstStyle/>
+          <a:p>
+            <a:r>
+              <a:rPr kumimoji="1" lang="zh-CN" altLang="en-US" sz="2800" dirty="0" smtClean="0">
+                <a:solidFill>
+                  <a:srgbClr val="3B3439"/>
+                </a:solidFill>
+                <a:latin typeface="Arial Unicode MS" panose="020B0604020202020204" pitchFamily="34" charset="-122"/>
+                <a:ea typeface="Arial Unicode MS" panose="020B0604020202020204" pitchFamily="34" charset="-122"/>
+                <a:cs typeface="Arial Unicode MS" panose="020B0604020202020204" pitchFamily="34" charset="-122"/>
+              </a:rPr>
+              <a:t>背景：来自各个</a:t>
+            </a:r>
+            <a:r>
+              <a:rPr kumimoji="1" lang="en-US" altLang="zh-CN" sz="2800" dirty="0" smtClean="0">
+                <a:solidFill>
+                  <a:srgbClr val="3B3439"/>
+                </a:solidFill>
+                <a:latin typeface="Arial Unicode MS" panose="020B0604020202020204" pitchFamily="34" charset="-122"/>
+                <a:ea typeface="Arial Unicode MS" panose="020B0604020202020204" pitchFamily="34" charset="-122"/>
+                <a:cs typeface="Arial Unicode MS" panose="020B0604020202020204" pitchFamily="34" charset="-122"/>
+              </a:rPr>
+              <a:t>sensor</a:t>
+            </a:r>
+            <a:r>
+              <a:rPr kumimoji="1" lang="zh-CN" altLang="en-US" sz="2800" dirty="0" smtClean="0">
+                <a:solidFill>
+                  <a:srgbClr val="3B3439"/>
+                </a:solidFill>
+                <a:latin typeface="Arial Unicode MS" panose="020B0604020202020204" pitchFamily="34" charset="-122"/>
+                <a:ea typeface="Arial Unicode MS" panose="020B0604020202020204" pitchFamily="34" charset="-122"/>
+                <a:cs typeface="Arial Unicode MS" panose="020B0604020202020204" pitchFamily="34" charset="-122"/>
+              </a:rPr>
+              <a:t>的告警数据表示格式略有差异，所有不同来源的告警一般因为格式差异而被划分都不同数据集模式存储</a:t>
+            </a:r>
+            <a:endParaRPr kumimoji="1" lang="en-US" altLang="zh-CN" sz="2800" dirty="0" smtClean="0">
+              <a:solidFill>
+                <a:srgbClr val="3B3439"/>
+              </a:solidFill>
+              <a:latin typeface="Arial Unicode MS" panose="020B0604020202020204" pitchFamily="34" charset="-122"/>
+              <a:ea typeface="Arial Unicode MS" panose="020B0604020202020204" pitchFamily="34" charset="-122"/>
+              <a:cs typeface="Arial Unicode MS" panose="020B0604020202020204" pitchFamily="34" charset="-122"/>
+            </a:endParaRPr>
+          </a:p>
+          <a:p>
+            <a:endParaRPr kumimoji="1" lang="en-US" altLang="zh-CN" sz="2800" dirty="0" smtClean="0">
+              <a:solidFill>
+                <a:srgbClr val="3B3439"/>
+              </a:solidFill>
+              <a:latin typeface="Arial Unicode MS" panose="020B0604020202020204" pitchFamily="34" charset="-122"/>
+              <a:ea typeface="Arial Unicode MS" panose="020B0604020202020204" pitchFamily="34" charset="-122"/>
+              <a:cs typeface="Arial Unicode MS" panose="020B0604020202020204" pitchFamily="34" charset="-122"/>
+            </a:endParaRPr>
+          </a:p>
+          <a:p>
+            <a:r>
+              <a:rPr kumimoji="1" lang="zh-CN" altLang="en-US" sz="2800" dirty="0" smtClean="0">
+                <a:solidFill>
+                  <a:srgbClr val="3B3439"/>
+                </a:solidFill>
+                <a:latin typeface="Arial Unicode MS" panose="020B0604020202020204" pitchFamily="34" charset="-122"/>
+                <a:ea typeface="Arial Unicode MS" panose="020B0604020202020204" pitchFamily="34" charset="-122"/>
+                <a:cs typeface="Arial Unicode MS" panose="020B0604020202020204" pitchFamily="34" charset="-122"/>
+              </a:rPr>
+              <a:t>需要设计一个标准化格式满足所有的来源告警</a:t>
+            </a:r>
+            <a:endParaRPr kumimoji="1" lang="en-US" altLang="zh-CN" sz="2800" dirty="0" smtClean="0">
+              <a:solidFill>
+                <a:srgbClr val="3B3439"/>
+              </a:solidFill>
+              <a:latin typeface="Arial Unicode MS" panose="020B0604020202020204" pitchFamily="34" charset="-122"/>
+              <a:ea typeface="Arial Unicode MS" panose="020B0604020202020204" pitchFamily="34" charset="-122"/>
+              <a:cs typeface="Arial Unicode MS" panose="020B0604020202020204" pitchFamily="34" charset="-122"/>
+            </a:endParaRPr>
+          </a:p>
+          <a:p>
+            <a:r>
+              <a:rPr kumimoji="1" lang="zh-CN" altLang="en-US" sz="2800" dirty="0" smtClean="0">
+                <a:solidFill>
+                  <a:srgbClr val="3B3439"/>
+                </a:solidFill>
+                <a:latin typeface="Arial Unicode MS" panose="020B0604020202020204" pitchFamily="34" charset="-122"/>
+                <a:ea typeface="Arial Unicode MS" panose="020B0604020202020204" pitchFamily="34" charset="-122"/>
+                <a:cs typeface="Arial Unicode MS" panose="020B0604020202020204" pitchFamily="34" charset="-122"/>
+              </a:rPr>
+              <a:t>统一的标准化格式，降低复杂度和维护成本，统一告警数据视图</a:t>
+            </a:r>
+            <a:endParaRPr kumimoji="1" lang="zh-CN" altLang="en-US" sz="2800" dirty="0" smtClean="0">
+              <a:solidFill>
+                <a:srgbClr val="3B3439"/>
+              </a:solidFill>
+              <a:latin typeface="Arial Unicode MS" panose="020B0604020202020204" pitchFamily="34" charset="-122"/>
+              <a:ea typeface="Arial Unicode MS" panose="020B0604020202020204" pitchFamily="34" charset="-122"/>
+              <a:cs typeface="Arial Unicode MS" panose="020B0604020202020204" pitchFamily="34" charset="-122"/>
+            </a:endParaRPr>
+          </a:p>
+        </p:txBody>
+      </p:sp>
+      <p:sp>
+        <p:nvSpPr>
+          <p:cNvPr id="4" name="TextBox 4"/>
+          <p:cNvSpPr txBox="1"/>
+          <p:nvPr/>
+        </p:nvSpPr>
+        <p:spPr>
+          <a:xfrm>
+            <a:off x="880311" y="618392"/>
+            <a:ext cx="5211683" cy="523220"/>
+          </a:xfrm>
+          <a:prstGeom prst="rect">
+            <a:avLst/>
+          </a:prstGeom>
+          <a:noFill/>
+        </p:spPr>
+        <p:txBody>
+          <a:bodyPr wrap="none" rtlCol="0">
+            <a:spAutoFit/>
+          </a:bodyPr>
+          <a:lstStyle/>
+          <a:p>
+            <a:r>
+              <a:rPr kumimoji="1" lang="zh-CN" altLang="en-US" sz="2800" dirty="0">
+                <a:solidFill>
+                  <a:srgbClr val="3B3439"/>
+                </a:solidFill>
+                <a:latin typeface="+mn-ea"/>
+                <a:cs typeface="Arial Unicode MS" panose="020B0604020202020204" pitchFamily="34" charset="-122"/>
+              </a:rPr>
+              <a:t>智子运营平台库迁移及数据整合</a:t>
+            </a:r>
+            <a:endParaRPr kumimoji="1" lang="en-US" altLang="zh-CN" sz="2800" dirty="0">
+              <a:solidFill>
+                <a:srgbClr val="3B3439"/>
+              </a:solidFill>
+              <a:latin typeface="+mn-ea"/>
+              <a:cs typeface="Arial Unicode MS" panose="020B0604020202020204" pitchFamily="34" charset="-122"/>
+            </a:endParaRPr>
+          </a:p>
+        </p:txBody>
+      </p:sp>
+      <p:pic>
+        <p:nvPicPr>
+          <p:cNvPr id="5" name="Picture 2" descr="C:\Users\Administrator\Desktop\新版PPT模板21435456.png"/>
+          <p:cNvPicPr>
+            <a:picLocks noChangeAspect="1" noChangeArrowheads="1"/>
+          </p:cNvPicPr>
+          <p:nvPr/>
+        </p:nvPicPr>
+        <p:blipFill>
+          <a:blip r:embed="rId3" cstate="print"/>
+          <a:srcRect/>
+          <a:stretch>
+            <a:fillRect/>
+          </a:stretch>
+        </p:blipFill>
+        <p:spPr bwMode="auto">
+          <a:xfrm>
+            <a:off x="678053" y="1258697"/>
+            <a:ext cx="1702414" cy="67183"/>
+          </a:xfrm>
+          <a:prstGeom prst="rect">
+            <a:avLst/>
+          </a:prstGeom>
+          <a:noFill/>
+        </p:spPr>
+      </p:pic>
+    </p:spTree>
+    <p:extLst>
+      <p:ext uri="{BB962C8B-B14F-4D97-AF65-F5344CB8AC3E}">
+        <p14:creationId xmlns:p14="http://schemas.microsoft.com/office/powerpoint/2010/main" val="269143057"/>
+      </p:ext>
+    </p:extLst>
+  </p:cSld>
+  <p:clrMapOvr>
+    <a:masterClrMapping/>
+  </p:clrMapOvr>
+  <p:timing>
+    <p:tnLst>
+      <p:par>
+        <p:cTn xmlns:p14="http://schemas.microsoft.com/office/powerpoint/2010/main" id="1" dur="indefinite" restart="never" nodeType="tmRoot"/>
+      </p:par>
+    </p:tnLst>
+  </p:timing>
+</p:sld>
+</file>
+
+<file path=ppt/slides/slide11.xml><?xml version="1.0" encoding="utf-8"?>
+<p:sld xmlns:a="http://schemas.openxmlformats.org/drawingml/2006/main" xmlns:r="http://schemas.openxmlformats.org/officeDocument/2006/relationships" xmlns:p="http://schemas.openxmlformats.org/presentationml/2006/main">
+  <p:cSld>
+    <p:spTree>
+      <p:nvGrpSpPr>
+        <p:cNvPr id="1" name=""/>
+        <p:cNvGrpSpPr/>
+        <p:nvPr/>
+      </p:nvGrpSpPr>
+      <p:grpSpPr>
+        <a:xfrm>
+          <a:off x="0" y="0"/>
+          <a:ext cx="0" cy="0"/>
+          <a:chOff x="0" y="0"/>
+          <a:chExt cx="0" cy="0"/>
+        </a:xfrm>
+      </p:grpSpPr>
+      <p:sp>
+        <p:nvSpPr>
+          <p:cNvPr id="3" name="文本框 2"/>
+          <p:cNvSpPr txBox="1"/>
+          <p:nvPr/>
+        </p:nvSpPr>
+        <p:spPr>
+          <a:xfrm>
+            <a:off x="812800" y="1386488"/>
+            <a:ext cx="10376606" cy="4832093"/>
+          </a:xfrm>
+          <a:prstGeom prst="rect">
+            <a:avLst/>
+          </a:prstGeom>
+          <a:noFill/>
+        </p:spPr>
+        <p:txBody>
+          <a:bodyPr wrap="square" rtlCol="0">
+            <a:spAutoFit/>
+          </a:bodyPr>
+          <a:lstStyle/>
+          <a:p>
+            <a:r>
+              <a:rPr kumimoji="1" lang="zh-CN" altLang="en-US" sz="2800" dirty="0" smtClean="0">
+                <a:solidFill>
+                  <a:srgbClr val="3B3439"/>
+                </a:solidFill>
+                <a:latin typeface="Arial Unicode MS" panose="020B0604020202020204" pitchFamily="34" charset="-122"/>
+                <a:ea typeface="Arial Unicode MS" panose="020B0604020202020204" pitchFamily="34" charset="-122"/>
+                <a:cs typeface="Arial Unicode MS" panose="020B0604020202020204" pitchFamily="34" charset="-122"/>
+              </a:rPr>
+              <a:t>通过中间件</a:t>
+            </a:r>
+            <a:r>
+              <a:rPr kumimoji="1" lang="en-US" altLang="zh-CN" sz="2800" dirty="0" smtClean="0">
+                <a:solidFill>
+                  <a:srgbClr val="3B3439"/>
+                </a:solidFill>
+                <a:latin typeface="Arial Unicode MS" panose="020B0604020202020204" pitchFamily="34" charset="-122"/>
+                <a:ea typeface="Arial Unicode MS" panose="020B0604020202020204" pitchFamily="34" charset="-122"/>
+                <a:cs typeface="Arial Unicode MS" panose="020B0604020202020204" pitchFamily="34" charset="-122"/>
+              </a:rPr>
+              <a:t>TDDL</a:t>
+            </a:r>
+            <a:r>
+              <a:rPr kumimoji="1" lang="zh-CN" altLang="en-US" sz="2800" dirty="0" smtClean="0">
+                <a:solidFill>
+                  <a:srgbClr val="3B3439"/>
+                </a:solidFill>
+                <a:latin typeface="Arial Unicode MS" panose="020B0604020202020204" pitchFamily="34" charset="-122"/>
+                <a:ea typeface="Arial Unicode MS" panose="020B0604020202020204" pitchFamily="34" charset="-122"/>
+                <a:cs typeface="Arial Unicode MS" panose="020B0604020202020204" pitchFamily="34" charset="-122"/>
+              </a:rPr>
+              <a:t>建立逻辑库，逻辑表和物理库、物理表之间的路由映射关系，提高数据库的数据处理上限</a:t>
+            </a:r>
+            <a:endParaRPr kumimoji="1" lang="en-US" altLang="zh-CN" sz="2800" dirty="0" smtClean="0">
+              <a:solidFill>
+                <a:srgbClr val="3B3439"/>
+              </a:solidFill>
+              <a:latin typeface="Arial Unicode MS" panose="020B0604020202020204" pitchFamily="34" charset="-122"/>
+              <a:ea typeface="Arial Unicode MS" panose="020B0604020202020204" pitchFamily="34" charset="-122"/>
+              <a:cs typeface="Arial Unicode MS" panose="020B0604020202020204" pitchFamily="34" charset="-122"/>
+            </a:endParaRPr>
+          </a:p>
+          <a:p>
+            <a:r>
+              <a:rPr kumimoji="1" lang="zh-CN" altLang="en-US" sz="2800" dirty="0" smtClean="0">
+                <a:solidFill>
+                  <a:srgbClr val="3B3439"/>
+                </a:solidFill>
+                <a:latin typeface="Arial Unicode MS" panose="020B0604020202020204" pitchFamily="34" charset="-122"/>
+                <a:ea typeface="Arial Unicode MS" panose="020B0604020202020204" pitchFamily="34" charset="-122"/>
+                <a:cs typeface="Arial Unicode MS" panose="020B0604020202020204" pitchFamily="34" charset="-122"/>
+              </a:rPr>
+              <a:t>路由</a:t>
+            </a:r>
+            <a:r>
+              <a:rPr kumimoji="1" lang="en-US" altLang="zh-CN" sz="2800" dirty="0" smtClean="0">
+                <a:solidFill>
+                  <a:srgbClr val="3B3439"/>
+                </a:solidFill>
+                <a:latin typeface="Arial Unicode MS" panose="020B0604020202020204" pitchFamily="34" charset="-122"/>
+                <a:ea typeface="Arial Unicode MS" panose="020B0604020202020204" pitchFamily="34" charset="-122"/>
+                <a:cs typeface="Arial Unicode MS" panose="020B0604020202020204" pitchFamily="34" charset="-122"/>
+              </a:rPr>
+              <a:t> </a:t>
+            </a:r>
+            <a:r>
+              <a:rPr kumimoji="1" lang="en-US" altLang="zh-CN" sz="2800" dirty="0" err="1" smtClean="0">
+                <a:solidFill>
+                  <a:srgbClr val="3B3439"/>
+                </a:solidFill>
+                <a:latin typeface="Arial Unicode MS" panose="020B0604020202020204" pitchFamily="34" charset="-122"/>
+                <a:ea typeface="Arial Unicode MS" panose="020B0604020202020204" pitchFamily="34" charset="-122"/>
+                <a:cs typeface="Arial Unicode MS" panose="020B0604020202020204" pitchFamily="34" charset="-122"/>
+              </a:rPr>
+              <a:t>sharding</a:t>
+            </a:r>
+            <a:r>
+              <a:rPr kumimoji="1" lang="en-US" altLang="zh-CN" sz="2800" dirty="0" smtClean="0">
+                <a:solidFill>
+                  <a:srgbClr val="3B3439"/>
+                </a:solidFill>
+                <a:latin typeface="Arial Unicode MS" panose="020B0604020202020204" pitchFamily="34" charset="-122"/>
+                <a:ea typeface="Arial Unicode MS" panose="020B0604020202020204" pitchFamily="34" charset="-122"/>
+                <a:cs typeface="Arial Unicode MS" panose="020B0604020202020204" pitchFamily="34" charset="-122"/>
+              </a:rPr>
+              <a:t> field</a:t>
+            </a:r>
+          </a:p>
+          <a:p>
+            <a:r>
+              <a:rPr kumimoji="1" lang="en-US" altLang="zh-CN" sz="2800" dirty="0" smtClean="0">
+                <a:solidFill>
+                  <a:srgbClr val="3B3439"/>
+                </a:solidFill>
+                <a:latin typeface="Arial Unicode MS" panose="020B0604020202020204" pitchFamily="34" charset="-122"/>
+                <a:ea typeface="Arial Unicode MS" panose="020B0604020202020204" pitchFamily="34" charset="-122"/>
+                <a:cs typeface="Arial Unicode MS" panose="020B0604020202020204" pitchFamily="34" charset="-122"/>
+              </a:rPr>
+              <a:t>Sequence </a:t>
+            </a:r>
+            <a:r>
+              <a:rPr kumimoji="1" lang="zh-CN" altLang="en-US" sz="2800" dirty="0" smtClean="0">
+                <a:solidFill>
+                  <a:srgbClr val="3B3439"/>
+                </a:solidFill>
+                <a:latin typeface="Arial Unicode MS" panose="020B0604020202020204" pitchFamily="34" charset="-122"/>
+                <a:ea typeface="Arial Unicode MS" panose="020B0604020202020204" pitchFamily="34" charset="-122"/>
+                <a:cs typeface="Arial Unicode MS" panose="020B0604020202020204" pitchFamily="34" charset="-122"/>
+              </a:rPr>
+              <a:t>唯一键</a:t>
+            </a:r>
+            <a:r>
+              <a:rPr kumimoji="1" lang="en-US" altLang="zh-CN" sz="2800" dirty="0" smtClean="0">
+                <a:solidFill>
+                  <a:srgbClr val="3B3439"/>
+                </a:solidFill>
+                <a:latin typeface="Arial Unicode MS" panose="020B0604020202020204" pitchFamily="34" charset="-122"/>
+                <a:ea typeface="Arial Unicode MS" panose="020B0604020202020204" pitchFamily="34" charset="-122"/>
+                <a:cs typeface="Arial Unicode MS" panose="020B0604020202020204" pitchFamily="34" charset="-122"/>
+              </a:rPr>
+              <a:t> </a:t>
+            </a:r>
+            <a:r>
+              <a:rPr kumimoji="1" lang="zh-CN" altLang="en-US" sz="2800" dirty="0" smtClean="0">
+                <a:solidFill>
+                  <a:srgbClr val="3B3439"/>
+                </a:solidFill>
+                <a:latin typeface="Arial Unicode MS" panose="020B0604020202020204" pitchFamily="34" charset="-122"/>
+                <a:ea typeface="Arial Unicode MS" panose="020B0604020202020204" pitchFamily="34" charset="-122"/>
+                <a:cs typeface="Arial Unicode MS" panose="020B0604020202020204" pitchFamily="34" charset="-122"/>
+              </a:rPr>
+              <a:t>全局唯一与局部唯一</a:t>
+            </a:r>
+            <a:endParaRPr kumimoji="1" lang="en-US" altLang="zh-CN" sz="2800" dirty="0" smtClean="0">
+              <a:solidFill>
+                <a:srgbClr val="3B3439"/>
+              </a:solidFill>
+              <a:latin typeface="Arial Unicode MS" panose="020B0604020202020204" pitchFamily="34" charset="-122"/>
+              <a:ea typeface="Arial Unicode MS" panose="020B0604020202020204" pitchFamily="34" charset="-122"/>
+              <a:cs typeface="Arial Unicode MS" panose="020B0604020202020204" pitchFamily="34" charset="-122"/>
+            </a:endParaRPr>
+          </a:p>
+          <a:p>
+            <a:r>
+              <a:rPr kumimoji="1" lang="zh-CN" altLang="en-US" sz="2800" dirty="0" smtClean="0">
+                <a:solidFill>
+                  <a:srgbClr val="3B3439"/>
+                </a:solidFill>
+                <a:latin typeface="Arial Unicode MS" panose="020B0604020202020204" pitchFamily="34" charset="-122"/>
+                <a:ea typeface="Arial Unicode MS" panose="020B0604020202020204" pitchFamily="34" charset="-122"/>
+                <a:cs typeface="Arial Unicode MS" panose="020B0604020202020204" pitchFamily="34" charset="-122"/>
+              </a:rPr>
+              <a:t>数据划分</a:t>
+            </a:r>
+            <a:endParaRPr kumimoji="1" lang="en-US" altLang="zh-CN" sz="2800" dirty="0" smtClean="0">
+              <a:solidFill>
+                <a:srgbClr val="3B3439"/>
+              </a:solidFill>
+              <a:latin typeface="Arial Unicode MS" panose="020B0604020202020204" pitchFamily="34" charset="-122"/>
+              <a:ea typeface="Arial Unicode MS" panose="020B0604020202020204" pitchFamily="34" charset="-122"/>
+              <a:cs typeface="Arial Unicode MS" panose="020B0604020202020204" pitchFamily="34" charset="-122"/>
+            </a:endParaRPr>
+          </a:p>
+          <a:p>
+            <a:r>
+              <a:rPr kumimoji="1" lang="zh-CN" altLang="en-US" sz="2800" dirty="0" smtClean="0">
+                <a:solidFill>
+                  <a:srgbClr val="3B3439"/>
+                </a:solidFill>
+                <a:latin typeface="Arial Unicode MS" panose="020B0604020202020204" pitchFamily="34" charset="-122"/>
+                <a:ea typeface="Arial Unicode MS" panose="020B0604020202020204" pitchFamily="34" charset="-122"/>
+                <a:cs typeface="Arial Unicode MS" panose="020B0604020202020204" pitchFamily="34" charset="-122"/>
+              </a:rPr>
+              <a:t>排序分页</a:t>
+            </a:r>
+            <a:endParaRPr kumimoji="1" lang="en-US" altLang="zh-CN" sz="2800" dirty="0" smtClean="0">
+              <a:solidFill>
+                <a:srgbClr val="3B3439"/>
+              </a:solidFill>
+              <a:latin typeface="Arial Unicode MS" panose="020B0604020202020204" pitchFamily="34" charset="-122"/>
+              <a:ea typeface="Arial Unicode MS" panose="020B0604020202020204" pitchFamily="34" charset="-122"/>
+              <a:cs typeface="Arial Unicode MS" panose="020B0604020202020204" pitchFamily="34" charset="-122"/>
+            </a:endParaRPr>
+          </a:p>
+          <a:p>
+            <a:r>
+              <a:rPr kumimoji="1" lang="en-US" altLang="zh-CN" sz="2800" dirty="0" err="1" smtClean="0">
+                <a:solidFill>
+                  <a:srgbClr val="3B3439"/>
+                </a:solidFill>
+                <a:latin typeface="Arial Unicode MS" panose="020B0604020202020204" pitchFamily="34" charset="-122"/>
+                <a:ea typeface="Arial Unicode MS" panose="020B0604020202020204" pitchFamily="34" charset="-122"/>
+                <a:cs typeface="Arial Unicode MS" panose="020B0604020202020204" pitchFamily="34" charset="-122"/>
+              </a:rPr>
+              <a:t>Sql</a:t>
+            </a:r>
+            <a:r>
+              <a:rPr kumimoji="1" lang="zh-CN" altLang="en-US" sz="2800" dirty="0" smtClean="0">
+                <a:solidFill>
+                  <a:srgbClr val="3B3439"/>
+                </a:solidFill>
+                <a:latin typeface="Arial Unicode MS" panose="020B0604020202020204" pitchFamily="34" charset="-122"/>
+                <a:ea typeface="Arial Unicode MS" panose="020B0604020202020204" pitchFamily="34" charset="-122"/>
+                <a:cs typeface="Arial Unicode MS" panose="020B0604020202020204" pitchFamily="34" charset="-122"/>
+              </a:rPr>
+              <a:t>语法支持不足</a:t>
+            </a:r>
+            <a:endParaRPr kumimoji="1" lang="en-US" altLang="zh-CN" sz="2800" dirty="0" smtClean="0">
+              <a:solidFill>
+                <a:srgbClr val="3B3439"/>
+              </a:solidFill>
+              <a:latin typeface="Arial Unicode MS" panose="020B0604020202020204" pitchFamily="34" charset="-122"/>
+              <a:ea typeface="Arial Unicode MS" panose="020B0604020202020204" pitchFamily="34" charset="-122"/>
+              <a:cs typeface="Arial Unicode MS" panose="020B0604020202020204" pitchFamily="34" charset="-122"/>
+            </a:endParaRPr>
+          </a:p>
+          <a:p>
+            <a:r>
+              <a:rPr kumimoji="1" lang="en-US" altLang="zh-CN" sz="2800" dirty="0" err="1" smtClean="0">
+                <a:solidFill>
+                  <a:srgbClr val="3B3439"/>
+                </a:solidFill>
+                <a:latin typeface="Arial Unicode MS" panose="020B0604020202020204" pitchFamily="34" charset="-122"/>
+                <a:ea typeface="Arial Unicode MS" panose="020B0604020202020204" pitchFamily="34" charset="-122"/>
+                <a:cs typeface="Arial Unicode MS" panose="020B0604020202020204" pitchFamily="34" charset="-122"/>
+              </a:rPr>
+              <a:t>Orm</a:t>
+            </a:r>
+            <a:r>
+              <a:rPr kumimoji="1" lang="en-US" altLang="zh-CN" sz="2800" dirty="0" smtClean="0">
+                <a:solidFill>
+                  <a:srgbClr val="3B3439"/>
+                </a:solidFill>
+                <a:latin typeface="Arial Unicode MS" panose="020B0604020202020204" pitchFamily="34" charset="-122"/>
+                <a:ea typeface="Arial Unicode MS" panose="020B0604020202020204" pitchFamily="34" charset="-122"/>
+                <a:cs typeface="Arial Unicode MS" panose="020B0604020202020204" pitchFamily="34" charset="-122"/>
+              </a:rPr>
+              <a:t> Text</a:t>
+            </a:r>
+            <a:r>
+              <a:rPr kumimoji="1" lang="zh-CN" altLang="en-US" sz="2800" dirty="0" smtClean="0">
+                <a:solidFill>
+                  <a:srgbClr val="3B3439"/>
+                </a:solidFill>
+                <a:latin typeface="Arial Unicode MS" panose="020B0604020202020204" pitchFamily="34" charset="-122"/>
+                <a:ea typeface="Arial Unicode MS" panose="020B0604020202020204" pitchFamily="34" charset="-122"/>
+                <a:cs typeface="Arial Unicode MS" panose="020B0604020202020204" pitchFamily="34" charset="-122"/>
+              </a:rPr>
+              <a:t>类型支持不足</a:t>
+            </a:r>
+            <a:endParaRPr kumimoji="1" lang="en-US" altLang="zh-CN" sz="2800" dirty="0" smtClean="0">
+              <a:solidFill>
+                <a:srgbClr val="3B3439"/>
+              </a:solidFill>
+              <a:latin typeface="Arial Unicode MS" panose="020B0604020202020204" pitchFamily="34" charset="-122"/>
+              <a:ea typeface="Arial Unicode MS" panose="020B0604020202020204" pitchFamily="34" charset="-122"/>
+              <a:cs typeface="Arial Unicode MS" panose="020B0604020202020204" pitchFamily="34" charset="-122"/>
+            </a:endParaRPr>
+          </a:p>
+          <a:p>
+            <a:r>
+              <a:rPr kumimoji="1" lang="zh-CN" altLang="en-US" sz="2800" dirty="0" smtClean="0">
+                <a:solidFill>
+                  <a:srgbClr val="3B3439"/>
+                </a:solidFill>
+                <a:latin typeface="Arial Unicode MS" panose="020B0604020202020204" pitchFamily="34" charset="-122"/>
+                <a:ea typeface="Arial Unicode MS" panose="020B0604020202020204" pitchFamily="34" charset="-122"/>
+                <a:cs typeface="Arial Unicode MS" panose="020B0604020202020204" pitchFamily="34" charset="-122"/>
+              </a:rPr>
+              <a:t>需要对原有代码进行重构满足</a:t>
+            </a:r>
+            <a:r>
+              <a:rPr kumimoji="1" lang="en-US" altLang="zh-CN" sz="2800" dirty="0" smtClean="0">
+                <a:solidFill>
+                  <a:srgbClr val="3B3439"/>
+                </a:solidFill>
+                <a:latin typeface="Arial Unicode MS" panose="020B0604020202020204" pitchFamily="34" charset="-122"/>
+                <a:ea typeface="Arial Unicode MS" panose="020B0604020202020204" pitchFamily="34" charset="-122"/>
+                <a:cs typeface="Arial Unicode MS" panose="020B0604020202020204" pitchFamily="34" charset="-122"/>
+              </a:rPr>
+              <a:t>TDDL </a:t>
+            </a:r>
+            <a:r>
+              <a:rPr kumimoji="1" lang="zh-CN" altLang="en-US" sz="2800" dirty="0" smtClean="0">
+                <a:solidFill>
+                  <a:srgbClr val="3B3439"/>
+                </a:solidFill>
+                <a:latin typeface="Arial Unicode MS" panose="020B0604020202020204" pitchFamily="34" charset="-122"/>
+                <a:ea typeface="Arial Unicode MS" panose="020B0604020202020204" pitchFamily="34" charset="-122"/>
+                <a:cs typeface="Arial Unicode MS" panose="020B0604020202020204" pitchFamily="34" charset="-122"/>
+              </a:rPr>
+              <a:t>语法</a:t>
+            </a:r>
+            <a:endParaRPr kumimoji="1" lang="en-US" altLang="zh-CN" sz="2800" dirty="0" smtClean="0">
+              <a:solidFill>
+                <a:srgbClr val="3B3439"/>
+              </a:solidFill>
+              <a:latin typeface="Arial Unicode MS" panose="020B0604020202020204" pitchFamily="34" charset="-122"/>
+              <a:ea typeface="Arial Unicode MS" panose="020B0604020202020204" pitchFamily="34" charset="-122"/>
+              <a:cs typeface="Arial Unicode MS" panose="020B0604020202020204" pitchFamily="34" charset="-122"/>
+            </a:endParaRPr>
+          </a:p>
+          <a:p>
+            <a:r>
+              <a:rPr kumimoji="1" lang="zh-CN" altLang="en-US" sz="2800" dirty="0" smtClean="0">
+                <a:solidFill>
+                  <a:srgbClr val="3B3439"/>
+                </a:solidFill>
+                <a:latin typeface="Arial Unicode MS" panose="020B0604020202020204" pitchFamily="34" charset="-122"/>
+                <a:ea typeface="Arial Unicode MS" panose="020B0604020202020204" pitchFamily="34" charset="-122"/>
+                <a:cs typeface="Arial Unicode MS" panose="020B0604020202020204" pitchFamily="34" charset="-122"/>
+              </a:rPr>
+              <a:t>比单库需要更多的连接数</a:t>
+            </a:r>
+            <a:endParaRPr kumimoji="1" lang="en-US" altLang="zh-CN" sz="2800" dirty="0" smtClean="0">
+              <a:solidFill>
+                <a:srgbClr val="3B3439"/>
+              </a:solidFill>
+              <a:latin typeface="Arial Unicode MS" panose="020B0604020202020204" pitchFamily="34" charset="-122"/>
+              <a:ea typeface="Arial Unicode MS" panose="020B0604020202020204" pitchFamily="34" charset="-122"/>
+              <a:cs typeface="Arial Unicode MS" panose="020B0604020202020204" pitchFamily="34" charset="-122"/>
+            </a:endParaRPr>
+          </a:p>
+          <a:p>
+            <a:endParaRPr kumimoji="1" lang="en-US" altLang="zh-CN" sz="2800" dirty="0" smtClean="0">
+              <a:solidFill>
+                <a:srgbClr val="3B3439"/>
+              </a:solidFill>
+              <a:latin typeface="Arial Unicode MS" panose="020B0604020202020204" pitchFamily="34" charset="-122"/>
+              <a:ea typeface="Arial Unicode MS" panose="020B0604020202020204" pitchFamily="34" charset="-122"/>
+              <a:cs typeface="Arial Unicode MS" panose="020B0604020202020204" pitchFamily="34" charset="-122"/>
+            </a:endParaRPr>
+          </a:p>
+        </p:txBody>
+      </p:sp>
+      <p:sp>
+        <p:nvSpPr>
+          <p:cNvPr id="4" name="TextBox 4"/>
+          <p:cNvSpPr txBox="1"/>
+          <p:nvPr/>
+        </p:nvSpPr>
+        <p:spPr>
+          <a:xfrm>
+            <a:off x="880311" y="618392"/>
+            <a:ext cx="5211683" cy="523220"/>
+          </a:xfrm>
+          <a:prstGeom prst="rect">
+            <a:avLst/>
+          </a:prstGeom>
+          <a:noFill/>
+        </p:spPr>
+        <p:txBody>
+          <a:bodyPr wrap="none" rtlCol="0">
+            <a:spAutoFit/>
+          </a:bodyPr>
+          <a:lstStyle/>
+          <a:p>
+            <a:r>
+              <a:rPr kumimoji="1" lang="en-US" altLang="zh-CN" sz="2800" dirty="0">
+                <a:solidFill>
+                  <a:srgbClr val="3B3439"/>
+                </a:solidFill>
+                <a:latin typeface="+mn-ea"/>
+                <a:cs typeface="Arial Unicode MS" panose="020B0604020202020204" pitchFamily="34" charset="-122"/>
+              </a:rPr>
+              <a:t>TDDL</a:t>
+            </a:r>
+            <a:r>
+              <a:rPr kumimoji="1" lang="zh-CN" altLang="en-US" sz="2800" dirty="0">
+                <a:solidFill>
+                  <a:srgbClr val="3B3439"/>
+                </a:solidFill>
+                <a:latin typeface="+mn-ea"/>
+                <a:cs typeface="Arial Unicode MS" panose="020B0604020202020204" pitchFamily="34" charset="-122"/>
+              </a:rPr>
+              <a:t>分库分表和</a:t>
+            </a:r>
+            <a:r>
+              <a:rPr kumimoji="1" lang="en-US" altLang="zh-CN" sz="2800" dirty="0" err="1">
+                <a:solidFill>
+                  <a:srgbClr val="3B3439"/>
+                </a:solidFill>
+                <a:latin typeface="+mn-ea"/>
+                <a:cs typeface="Arial Unicode MS" panose="020B0604020202020204" pitchFamily="34" charset="-122"/>
+              </a:rPr>
+              <a:t>Mysql-Json</a:t>
+            </a:r>
+            <a:r>
+              <a:rPr kumimoji="1" lang="zh-CN" altLang="en-US" sz="2800" dirty="0">
+                <a:solidFill>
+                  <a:srgbClr val="3B3439"/>
+                </a:solidFill>
+                <a:latin typeface="+mn-ea"/>
+                <a:cs typeface="Arial Unicode MS" panose="020B0604020202020204" pitchFamily="34" charset="-122"/>
+              </a:rPr>
+              <a:t>测试</a:t>
+            </a:r>
+            <a:endParaRPr kumimoji="1" lang="en-US" altLang="zh-CN" sz="2800" dirty="0">
+              <a:solidFill>
+                <a:srgbClr val="3B3439"/>
+              </a:solidFill>
+              <a:latin typeface="+mn-ea"/>
+              <a:cs typeface="Arial Unicode MS" panose="020B0604020202020204" pitchFamily="34" charset="-122"/>
+            </a:endParaRPr>
+          </a:p>
+        </p:txBody>
+      </p:sp>
+      <p:pic>
+        <p:nvPicPr>
+          <p:cNvPr id="5" name="Picture 2" descr="C:\Users\Administrator\Desktop\新版PPT模板21435456.png"/>
+          <p:cNvPicPr>
+            <a:picLocks noChangeAspect="1" noChangeArrowheads="1"/>
+          </p:cNvPicPr>
+          <p:nvPr/>
+        </p:nvPicPr>
+        <p:blipFill>
+          <a:blip r:embed="rId3" cstate="print"/>
+          <a:srcRect/>
+          <a:stretch>
+            <a:fillRect/>
+          </a:stretch>
+        </p:blipFill>
+        <p:spPr bwMode="auto">
+          <a:xfrm>
+            <a:off x="678053" y="1258697"/>
+            <a:ext cx="1702414" cy="67183"/>
+          </a:xfrm>
+          <a:prstGeom prst="rect">
+            <a:avLst/>
+          </a:prstGeom>
+          <a:noFill/>
+        </p:spPr>
+      </p:pic>
+    </p:spTree>
+    <p:extLst>
+      <p:ext uri="{BB962C8B-B14F-4D97-AF65-F5344CB8AC3E}">
+        <p14:creationId xmlns:p14="http://schemas.microsoft.com/office/powerpoint/2010/main" val="694714104"/>
+      </p:ext>
+    </p:extLst>
+  </p:cSld>
+  <p:clrMapOvr>
+    <a:masterClrMapping/>
+  </p:clrMapOvr>
+  <p:timing>
+    <p:tnLst>
+      <p:par>
+        <p:cTn xmlns:p14="http://schemas.microsoft.com/office/powerpoint/2010/main" id="1" dur="indefinite" restart="never" nodeType="tmRoot"/>
+      </p:par>
+    </p:tnLst>
+  </p:timing>
+</p:sld>
+</file>
+
+<file path=ppt/slides/slide12.xml><?xml version="1.0" encoding="utf-8"?>
+<p:sld xmlns:a="http://schemas.openxmlformats.org/drawingml/2006/main" xmlns:r="http://schemas.openxmlformats.org/officeDocument/2006/relationships" xmlns:p="http://schemas.openxmlformats.org/presentationml/2006/main">
+  <p:cSld>
+    <p:spTree>
+      <p:nvGrpSpPr>
+        <p:cNvPr id="1" name=""/>
+        <p:cNvGrpSpPr/>
+        <p:nvPr/>
+      </p:nvGrpSpPr>
+      <p:grpSpPr>
+        <a:xfrm>
+          <a:off x="0" y="0"/>
+          <a:ext cx="0" cy="0"/>
+          <a:chOff x="0" y="0"/>
+          <a:chExt cx="0" cy="0"/>
+        </a:xfrm>
+      </p:grpSpPr>
+      <p:sp>
+        <p:nvSpPr>
+          <p:cNvPr id="3" name="文本框 2"/>
+          <p:cNvSpPr txBox="1"/>
+          <p:nvPr/>
+        </p:nvSpPr>
+        <p:spPr>
+          <a:xfrm>
+            <a:off x="812800" y="1386488"/>
+            <a:ext cx="10376606" cy="1384995"/>
+          </a:xfrm>
+          <a:prstGeom prst="rect">
+            <a:avLst/>
+          </a:prstGeom>
+          <a:noFill/>
+        </p:spPr>
+        <p:txBody>
+          <a:bodyPr wrap="square" rtlCol="0">
+            <a:spAutoFit/>
+          </a:bodyPr>
+          <a:lstStyle/>
+          <a:p>
+            <a:r>
+              <a:rPr kumimoji="1" lang="en-US" altLang="zh-CN" sz="2800" dirty="0" err="1" smtClean="0">
+                <a:solidFill>
+                  <a:srgbClr val="3B3439"/>
+                </a:solidFill>
+                <a:latin typeface="Arial Unicode MS" panose="020B0604020202020204" pitchFamily="34" charset="-122"/>
+                <a:ea typeface="Arial Unicode MS" panose="020B0604020202020204" pitchFamily="34" charset="-122"/>
+                <a:cs typeface="Arial Unicode MS" panose="020B0604020202020204" pitchFamily="34" charset="-122"/>
+              </a:rPr>
+              <a:t>Json</a:t>
+            </a:r>
+            <a:r>
+              <a:rPr kumimoji="1" lang="zh-CN" altLang="en-US" sz="2800" dirty="0" smtClean="0">
+                <a:solidFill>
+                  <a:srgbClr val="3B3439"/>
+                </a:solidFill>
+                <a:latin typeface="Arial Unicode MS" panose="020B0604020202020204" pitchFamily="34" charset="-122"/>
+                <a:ea typeface="Arial Unicode MS" panose="020B0604020202020204" pitchFamily="34" charset="-122"/>
+                <a:cs typeface="Arial Unicode MS" panose="020B0604020202020204" pitchFamily="34" charset="-122"/>
+              </a:rPr>
+              <a:t>应用广泛，数据库中用</a:t>
+            </a:r>
+            <a:r>
+              <a:rPr kumimoji="1" lang="en-US" altLang="zh-CN" sz="2800" dirty="0" err="1" smtClean="0">
+                <a:solidFill>
+                  <a:srgbClr val="3B3439"/>
+                </a:solidFill>
+                <a:latin typeface="Arial Unicode MS" panose="020B0604020202020204" pitchFamily="34" charset="-122"/>
+                <a:ea typeface="Arial Unicode MS" panose="020B0604020202020204" pitchFamily="34" charset="-122"/>
+                <a:cs typeface="Arial Unicode MS" panose="020B0604020202020204" pitchFamily="34" charset="-122"/>
+              </a:rPr>
+              <a:t>varchar</a:t>
+            </a:r>
+            <a:r>
+              <a:rPr kumimoji="1" lang="zh-CN" altLang="en-US" sz="2800" dirty="0" smtClean="0">
+                <a:solidFill>
+                  <a:srgbClr val="3B3439"/>
+                </a:solidFill>
+                <a:latin typeface="Arial Unicode MS" panose="020B0604020202020204" pitchFamily="34" charset="-122"/>
+                <a:ea typeface="Arial Unicode MS" panose="020B0604020202020204" pitchFamily="34" charset="-122"/>
+                <a:cs typeface="Arial Unicode MS" panose="020B0604020202020204" pitchFamily="34" charset="-122"/>
+              </a:rPr>
+              <a:t>存储</a:t>
+            </a:r>
+            <a:r>
+              <a:rPr kumimoji="1" lang="en-US" altLang="zh-CN" sz="2800" dirty="0" err="1" smtClean="0">
+                <a:solidFill>
+                  <a:srgbClr val="3B3439"/>
+                </a:solidFill>
+                <a:latin typeface="Arial Unicode MS" panose="020B0604020202020204" pitchFamily="34" charset="-122"/>
+                <a:ea typeface="Arial Unicode MS" panose="020B0604020202020204" pitchFamily="34" charset="-122"/>
+                <a:cs typeface="Arial Unicode MS" panose="020B0604020202020204" pitchFamily="34" charset="-122"/>
+              </a:rPr>
+              <a:t>json</a:t>
+            </a:r>
+            <a:r>
+              <a:rPr kumimoji="1" lang="zh-CN" altLang="en-US" sz="2800" dirty="0" smtClean="0">
+                <a:solidFill>
+                  <a:srgbClr val="3B3439"/>
+                </a:solidFill>
+                <a:latin typeface="Arial Unicode MS" panose="020B0604020202020204" pitchFamily="34" charset="-122"/>
+                <a:ea typeface="Arial Unicode MS" panose="020B0604020202020204" pitchFamily="34" charset="-122"/>
+                <a:cs typeface="Arial Unicode MS" panose="020B0604020202020204" pitchFamily="34" charset="-122"/>
+              </a:rPr>
+              <a:t>，在客户端程序中完成解析</a:t>
+            </a:r>
+            <a:endParaRPr kumimoji="1" lang="en-US" altLang="zh-CN" sz="2800" dirty="0" smtClean="0">
+              <a:solidFill>
+                <a:srgbClr val="3B3439"/>
+              </a:solidFill>
+              <a:latin typeface="Arial Unicode MS" panose="020B0604020202020204" pitchFamily="34" charset="-122"/>
+              <a:ea typeface="Arial Unicode MS" panose="020B0604020202020204" pitchFamily="34" charset="-122"/>
+              <a:cs typeface="Arial Unicode MS" panose="020B0604020202020204" pitchFamily="34" charset="-122"/>
+            </a:endParaRPr>
+          </a:p>
+          <a:p>
+            <a:r>
+              <a:rPr kumimoji="1" lang="en-US" altLang="zh-CN" sz="2800" dirty="0" smtClean="0">
+                <a:solidFill>
+                  <a:srgbClr val="3B3439"/>
+                </a:solidFill>
+                <a:latin typeface="Arial Unicode MS" panose="020B0604020202020204" pitchFamily="34" charset="-122"/>
+                <a:ea typeface="Arial Unicode MS" panose="020B0604020202020204" pitchFamily="34" charset="-122"/>
+                <a:cs typeface="Arial Unicode MS" panose="020B0604020202020204" pitchFamily="34" charset="-122"/>
+              </a:rPr>
+              <a:t>Mysql5.7 </a:t>
+            </a:r>
+            <a:r>
+              <a:rPr kumimoji="1" lang="zh-CN" altLang="en-US" sz="2800" dirty="0" smtClean="0">
+                <a:solidFill>
+                  <a:srgbClr val="3B3439"/>
+                </a:solidFill>
+                <a:latin typeface="Arial Unicode MS" panose="020B0604020202020204" pitchFamily="34" charset="-122"/>
+                <a:ea typeface="Arial Unicode MS" panose="020B0604020202020204" pitchFamily="34" charset="-122"/>
+                <a:cs typeface="Arial Unicode MS" panose="020B0604020202020204" pitchFamily="34" charset="-122"/>
+              </a:rPr>
+              <a:t>开始支持</a:t>
+            </a:r>
+            <a:r>
+              <a:rPr kumimoji="1" lang="en-US" altLang="zh-CN" sz="2800" dirty="0" err="1" smtClean="0">
+                <a:solidFill>
+                  <a:srgbClr val="3B3439"/>
+                </a:solidFill>
+                <a:latin typeface="Arial Unicode MS" panose="020B0604020202020204" pitchFamily="34" charset="-122"/>
+                <a:ea typeface="Arial Unicode MS" panose="020B0604020202020204" pitchFamily="34" charset="-122"/>
+                <a:cs typeface="Arial Unicode MS" panose="020B0604020202020204" pitchFamily="34" charset="-122"/>
+              </a:rPr>
+              <a:t>json</a:t>
+            </a:r>
+            <a:r>
+              <a:rPr kumimoji="1" lang="zh-CN" altLang="en-US" sz="2800" dirty="0" smtClean="0">
+                <a:solidFill>
+                  <a:srgbClr val="3B3439"/>
+                </a:solidFill>
+                <a:latin typeface="Arial Unicode MS" panose="020B0604020202020204" pitchFamily="34" charset="-122"/>
+                <a:ea typeface="Arial Unicode MS" panose="020B0604020202020204" pitchFamily="34" charset="-122"/>
+                <a:cs typeface="Arial Unicode MS" panose="020B0604020202020204" pitchFamily="34" charset="-122"/>
+              </a:rPr>
+              <a:t>特性，提供</a:t>
+            </a:r>
+            <a:r>
+              <a:rPr kumimoji="1" lang="en-US" altLang="zh-CN" sz="2800" dirty="0" err="1" smtClean="0">
+                <a:solidFill>
+                  <a:srgbClr val="3B3439"/>
+                </a:solidFill>
+                <a:latin typeface="Arial Unicode MS" panose="020B0604020202020204" pitchFamily="34" charset="-122"/>
+                <a:ea typeface="Arial Unicode MS" panose="020B0604020202020204" pitchFamily="34" charset="-122"/>
+                <a:cs typeface="Arial Unicode MS" panose="020B0604020202020204" pitchFamily="34" charset="-122"/>
+              </a:rPr>
+              <a:t>json</a:t>
+            </a:r>
+            <a:r>
+              <a:rPr kumimoji="1" lang="en-US" altLang="zh-CN" sz="2800" dirty="0" smtClean="0">
+                <a:solidFill>
+                  <a:srgbClr val="3B3439"/>
+                </a:solidFill>
+                <a:latin typeface="Arial Unicode MS" panose="020B0604020202020204" pitchFamily="34" charset="-122"/>
+                <a:ea typeface="Arial Unicode MS" panose="020B0604020202020204" pitchFamily="34" charset="-122"/>
+                <a:cs typeface="Arial Unicode MS" panose="020B0604020202020204" pitchFamily="34" charset="-122"/>
+              </a:rPr>
+              <a:t> </a:t>
+            </a:r>
+            <a:r>
+              <a:rPr kumimoji="1" lang="en-US" altLang="zh-CN" sz="2800" dirty="0" err="1" smtClean="0">
+                <a:solidFill>
+                  <a:srgbClr val="3B3439"/>
+                </a:solidFill>
+                <a:latin typeface="Arial Unicode MS" panose="020B0604020202020204" pitchFamily="34" charset="-122"/>
+                <a:ea typeface="Arial Unicode MS" panose="020B0604020202020204" pitchFamily="34" charset="-122"/>
+                <a:cs typeface="Arial Unicode MS" panose="020B0604020202020204" pitchFamily="34" charset="-122"/>
+              </a:rPr>
+              <a:t>api</a:t>
+            </a:r>
+            <a:endParaRPr kumimoji="1" lang="en-US" altLang="zh-CN" sz="2800" dirty="0" smtClean="0">
+              <a:solidFill>
+                <a:srgbClr val="3B3439"/>
+              </a:solidFill>
+              <a:latin typeface="Arial Unicode MS" panose="020B0604020202020204" pitchFamily="34" charset="-122"/>
+              <a:ea typeface="Arial Unicode MS" panose="020B0604020202020204" pitchFamily="34" charset="-122"/>
+              <a:cs typeface="Arial Unicode MS" panose="020B0604020202020204" pitchFamily="34" charset="-122"/>
+            </a:endParaRPr>
+          </a:p>
+        </p:txBody>
+      </p:sp>
+      <p:sp>
+        <p:nvSpPr>
+          <p:cNvPr id="4" name="TextBox 4"/>
+          <p:cNvSpPr txBox="1"/>
+          <p:nvPr/>
+        </p:nvSpPr>
+        <p:spPr>
+          <a:xfrm>
+            <a:off x="880311" y="618392"/>
+            <a:ext cx="5211683" cy="523220"/>
+          </a:xfrm>
+          <a:prstGeom prst="rect">
+            <a:avLst/>
+          </a:prstGeom>
+          <a:noFill/>
+        </p:spPr>
+        <p:txBody>
+          <a:bodyPr wrap="none" rtlCol="0">
+            <a:spAutoFit/>
+          </a:bodyPr>
+          <a:lstStyle/>
+          <a:p>
+            <a:r>
+              <a:rPr kumimoji="1" lang="en-US" altLang="zh-CN" sz="2800" dirty="0">
+                <a:solidFill>
+                  <a:srgbClr val="3B3439"/>
+                </a:solidFill>
+                <a:latin typeface="+mn-ea"/>
+                <a:cs typeface="Arial Unicode MS" panose="020B0604020202020204" pitchFamily="34" charset="-122"/>
+              </a:rPr>
+              <a:t>TDDL</a:t>
+            </a:r>
+            <a:r>
+              <a:rPr kumimoji="1" lang="zh-CN" altLang="en-US" sz="2800" dirty="0">
+                <a:solidFill>
+                  <a:srgbClr val="3B3439"/>
+                </a:solidFill>
+                <a:latin typeface="+mn-ea"/>
+                <a:cs typeface="Arial Unicode MS" panose="020B0604020202020204" pitchFamily="34" charset="-122"/>
+              </a:rPr>
+              <a:t>分库分表和</a:t>
+            </a:r>
+            <a:r>
+              <a:rPr kumimoji="1" lang="en-US" altLang="zh-CN" sz="2800" dirty="0" err="1">
+                <a:solidFill>
+                  <a:srgbClr val="3B3439"/>
+                </a:solidFill>
+                <a:latin typeface="+mn-ea"/>
+                <a:cs typeface="Arial Unicode MS" panose="020B0604020202020204" pitchFamily="34" charset="-122"/>
+              </a:rPr>
+              <a:t>Mysql-Json</a:t>
+            </a:r>
+            <a:r>
+              <a:rPr kumimoji="1" lang="zh-CN" altLang="en-US" sz="2800" dirty="0">
+                <a:solidFill>
+                  <a:srgbClr val="3B3439"/>
+                </a:solidFill>
+                <a:latin typeface="+mn-ea"/>
+                <a:cs typeface="Arial Unicode MS" panose="020B0604020202020204" pitchFamily="34" charset="-122"/>
+              </a:rPr>
+              <a:t>测试</a:t>
+            </a:r>
+            <a:endParaRPr kumimoji="1" lang="en-US" altLang="zh-CN" sz="2800" dirty="0">
+              <a:solidFill>
+                <a:srgbClr val="3B3439"/>
+              </a:solidFill>
+              <a:latin typeface="+mn-ea"/>
+              <a:cs typeface="Arial Unicode MS" panose="020B0604020202020204" pitchFamily="34" charset="-122"/>
+            </a:endParaRPr>
+          </a:p>
+        </p:txBody>
+      </p:sp>
+      <p:pic>
+        <p:nvPicPr>
+          <p:cNvPr id="5" name="Picture 2" descr="C:\Users\Administrator\Desktop\新版PPT模板21435456.png"/>
+          <p:cNvPicPr>
+            <a:picLocks noChangeAspect="1" noChangeArrowheads="1"/>
+          </p:cNvPicPr>
+          <p:nvPr/>
+        </p:nvPicPr>
+        <p:blipFill>
+          <a:blip r:embed="rId3" cstate="print"/>
+          <a:srcRect/>
+          <a:stretch>
+            <a:fillRect/>
+          </a:stretch>
+        </p:blipFill>
+        <p:spPr bwMode="auto">
+          <a:xfrm>
+            <a:off x="678053" y="1258697"/>
+            <a:ext cx="1702414" cy="67183"/>
+          </a:xfrm>
+          <a:prstGeom prst="rect">
+            <a:avLst/>
+          </a:prstGeom>
+          <a:noFill/>
+        </p:spPr>
+      </p:pic>
+    </p:spTree>
+    <p:extLst>
+      <p:ext uri="{BB962C8B-B14F-4D97-AF65-F5344CB8AC3E}">
+        <p14:creationId xmlns:p14="http://schemas.microsoft.com/office/powerpoint/2010/main" val="700290934"/>
+      </p:ext>
+    </p:extLst>
+  </p:cSld>
+  <p:clrMapOvr>
+    <a:masterClrMapping/>
+  </p:clrMapOvr>
+  <p:timing>
+    <p:tnLst>
+      <p:par>
+        <p:cTn xmlns:p14="http://schemas.microsoft.com/office/powerpoint/2010/main" id="1" dur="indefinite" restart="never" nodeType="tmRoot"/>
+      </p:par>
+    </p:tnLst>
+  </p:timing>
+</p:sld>
+</file>
+
+<file path=ppt/slides/slide13.xml><?xml version="1.0" encoding="utf-8"?>
+<p:sld xmlns:a="http://schemas.openxmlformats.org/drawingml/2006/main" xmlns:r="http://schemas.openxmlformats.org/officeDocument/2006/relationships" xmlns:p="http://schemas.openxmlformats.org/presentationml/2006/main">
+  <p:cSld>
+    <p:spTree>
+      <p:nvGrpSpPr>
+        <p:cNvPr id="1" name=""/>
+        <p:cNvGrpSpPr/>
+        <p:nvPr/>
+      </p:nvGrpSpPr>
+      <p:grpSpPr>
+        <a:xfrm>
+          <a:off x="0" y="0"/>
+          <a:ext cx="0" cy="0"/>
+          <a:chOff x="0" y="0"/>
+          <a:chExt cx="0" cy="0"/>
+        </a:xfrm>
+      </p:grpSpPr>
+      <p:sp>
+        <p:nvSpPr>
+          <p:cNvPr id="3" name="文本框 2"/>
+          <p:cNvSpPr txBox="1"/>
+          <p:nvPr/>
+        </p:nvSpPr>
+        <p:spPr>
+          <a:xfrm>
+            <a:off x="812800" y="1386488"/>
+            <a:ext cx="10376606" cy="523220"/>
+          </a:xfrm>
+          <a:prstGeom prst="rect">
+            <a:avLst/>
+          </a:prstGeom>
+          <a:noFill/>
+        </p:spPr>
+        <p:txBody>
+          <a:bodyPr wrap="square" rtlCol="0">
+            <a:spAutoFit/>
+          </a:bodyPr>
+          <a:lstStyle/>
+          <a:p>
+            <a:r>
+              <a:rPr kumimoji="1" lang="zh-CN" altLang="en-US" sz="2800" dirty="0" smtClean="0">
+                <a:solidFill>
+                  <a:srgbClr val="3B3439"/>
+                </a:solidFill>
+                <a:latin typeface="Arial Unicode MS" panose="020B0604020202020204" pitchFamily="34" charset="-122"/>
+                <a:ea typeface="Arial Unicode MS" panose="020B0604020202020204" pitchFamily="34" charset="-122"/>
+                <a:cs typeface="Arial Unicode MS" panose="020B0604020202020204" pitchFamily="34" charset="-122"/>
+              </a:rPr>
+              <a:t>百年阿里：文化洗礼</a:t>
+            </a:r>
+            <a:endParaRPr kumimoji="1" lang="en-US" altLang="zh-CN" sz="2800" dirty="0" smtClean="0">
+              <a:solidFill>
+                <a:srgbClr val="3B3439"/>
+              </a:solidFill>
+              <a:latin typeface="Arial Unicode MS" panose="020B0604020202020204" pitchFamily="34" charset="-122"/>
+              <a:ea typeface="Arial Unicode MS" panose="020B0604020202020204" pitchFamily="34" charset="-122"/>
+              <a:cs typeface="Arial Unicode MS" panose="020B0604020202020204" pitchFamily="34" charset="-122"/>
+            </a:endParaRPr>
+          </a:p>
+        </p:txBody>
+      </p:sp>
+      <p:sp>
+        <p:nvSpPr>
+          <p:cNvPr id="4" name="TextBox 4"/>
+          <p:cNvSpPr txBox="1"/>
+          <p:nvPr/>
+        </p:nvSpPr>
+        <p:spPr>
+          <a:xfrm>
+            <a:off x="880311" y="618392"/>
+            <a:ext cx="902811" cy="523220"/>
+          </a:xfrm>
+          <a:prstGeom prst="rect">
+            <a:avLst/>
+          </a:prstGeom>
+          <a:noFill/>
+        </p:spPr>
+        <p:txBody>
+          <a:bodyPr wrap="none" rtlCol="0">
+            <a:spAutoFit/>
+          </a:bodyPr>
+          <a:lstStyle/>
+          <a:p>
+            <a:r>
+              <a:rPr kumimoji="1" lang="zh-CN" altLang="en-US" sz="2800" dirty="0">
+                <a:solidFill>
+                  <a:srgbClr val="3B3439"/>
+                </a:solidFill>
+                <a:latin typeface="+mn-ea"/>
+                <a:cs typeface="Arial Unicode MS" panose="020B0604020202020204" pitchFamily="34" charset="-122"/>
+              </a:rPr>
+              <a:t>百阿</a:t>
+            </a:r>
+            <a:endParaRPr kumimoji="1" lang="en-US" altLang="zh-CN" sz="2800" dirty="0">
+              <a:solidFill>
+                <a:srgbClr val="3B3439"/>
+              </a:solidFill>
+              <a:latin typeface="+mn-ea"/>
+              <a:cs typeface="Arial Unicode MS" panose="020B0604020202020204" pitchFamily="34" charset="-122"/>
+            </a:endParaRPr>
+          </a:p>
+        </p:txBody>
+      </p:sp>
+      <p:pic>
+        <p:nvPicPr>
+          <p:cNvPr id="5" name="Picture 2" descr="C:\Users\Administrator\Desktop\新版PPT模板21435456.png"/>
+          <p:cNvPicPr>
+            <a:picLocks noChangeAspect="1" noChangeArrowheads="1"/>
+          </p:cNvPicPr>
+          <p:nvPr/>
+        </p:nvPicPr>
+        <p:blipFill>
+          <a:blip r:embed="rId3" cstate="print"/>
+          <a:srcRect/>
+          <a:stretch>
+            <a:fillRect/>
+          </a:stretch>
+        </p:blipFill>
+        <p:spPr bwMode="auto">
+          <a:xfrm>
+            <a:off x="678053" y="1258697"/>
+            <a:ext cx="1702414" cy="67183"/>
+          </a:xfrm>
+          <a:prstGeom prst="rect">
+            <a:avLst/>
+          </a:prstGeom>
+          <a:noFill/>
+        </p:spPr>
+      </p:pic>
+    </p:spTree>
+    <p:extLst>
+      <p:ext uri="{BB962C8B-B14F-4D97-AF65-F5344CB8AC3E}">
+        <p14:creationId xmlns:p14="http://schemas.microsoft.com/office/powerpoint/2010/main" val="1834299976"/>
+      </p:ext>
+    </p:extLst>
+  </p:cSld>
+  <p:clrMapOvr>
+    <a:masterClrMapping/>
+  </p:clrMapOvr>
+  <p:timing>
+    <p:tnLst>
+      <p:par>
+        <p:cTn xmlns:p14="http://schemas.microsoft.com/office/powerpoint/2010/main" id="1" dur="indefinite" restart="never" nodeType="tmRoot"/>
+      </p:par>
+    </p:tnLst>
+  </p:timing>
+</p:sld>
+</file>
+
+<file path=ppt/slides/slide14.xml><?xml version="1.0" encoding="utf-8"?>
+<p:sld xmlns:a="http://schemas.openxmlformats.org/drawingml/2006/main" xmlns:r="http://schemas.openxmlformats.org/officeDocument/2006/relationships" xmlns:p="http://schemas.openxmlformats.org/presentationml/2006/main">
+  <p:cSld>
+    <p:spTree>
+      <p:nvGrpSpPr>
+        <p:cNvPr id="1" name=""/>
+        <p:cNvGrpSpPr/>
+        <p:nvPr/>
+      </p:nvGrpSpPr>
+      <p:grpSpPr>
+        <a:xfrm>
+          <a:off x="0" y="0"/>
+          <a:ext cx="0" cy="0"/>
+          <a:chOff x="0" y="0"/>
+          <a:chExt cx="0" cy="0"/>
+        </a:xfrm>
+      </p:grpSpPr>
+      <p:sp>
+        <p:nvSpPr>
+          <p:cNvPr id="3" name="文本框 2"/>
+          <p:cNvSpPr txBox="1"/>
+          <p:nvPr/>
+        </p:nvSpPr>
+        <p:spPr>
+          <a:xfrm>
+            <a:off x="812800" y="1386488"/>
+            <a:ext cx="10376606" cy="523220"/>
+          </a:xfrm>
+          <a:prstGeom prst="rect">
+            <a:avLst/>
+          </a:prstGeom>
+          <a:noFill/>
+        </p:spPr>
+        <p:txBody>
+          <a:bodyPr wrap="square" rtlCol="0">
+            <a:spAutoFit/>
+          </a:bodyPr>
+          <a:lstStyle/>
+          <a:p>
+            <a:r>
+              <a:rPr kumimoji="1" lang="zh-CN" altLang="en-US" sz="2800" dirty="0" smtClean="0">
+                <a:solidFill>
+                  <a:srgbClr val="3B3439"/>
+                </a:solidFill>
+                <a:latin typeface="Arial Unicode MS" panose="020B0604020202020204" pitchFamily="34" charset="-122"/>
+                <a:ea typeface="Arial Unicode MS" panose="020B0604020202020204" pitchFamily="34" charset="-122"/>
+                <a:cs typeface="Arial Unicode MS" panose="020B0604020202020204" pitchFamily="34" charset="-122"/>
+              </a:rPr>
+              <a:t>百年阿里：文化洗礼</a:t>
+            </a:r>
+            <a:endParaRPr kumimoji="1" lang="en-US" altLang="zh-CN" sz="2800" dirty="0" smtClean="0">
+              <a:solidFill>
+                <a:srgbClr val="3B3439"/>
+              </a:solidFill>
+              <a:latin typeface="Arial Unicode MS" panose="020B0604020202020204" pitchFamily="34" charset="-122"/>
+              <a:ea typeface="Arial Unicode MS" panose="020B0604020202020204" pitchFamily="34" charset="-122"/>
+              <a:cs typeface="Arial Unicode MS" panose="020B0604020202020204" pitchFamily="34" charset="-122"/>
+            </a:endParaRPr>
+          </a:p>
+        </p:txBody>
+      </p:sp>
+      <p:sp>
+        <p:nvSpPr>
+          <p:cNvPr id="4" name="TextBox 4"/>
+          <p:cNvSpPr txBox="1"/>
+          <p:nvPr/>
+        </p:nvSpPr>
+        <p:spPr>
+          <a:xfrm>
+            <a:off x="880311" y="618392"/>
+            <a:ext cx="1980029" cy="523220"/>
+          </a:xfrm>
+          <a:prstGeom prst="rect">
+            <a:avLst/>
+          </a:prstGeom>
+          <a:noFill/>
+        </p:spPr>
+        <p:txBody>
+          <a:bodyPr wrap="none" rtlCol="0">
+            <a:spAutoFit/>
+          </a:bodyPr>
+          <a:lstStyle/>
+          <a:p>
+            <a:r>
+              <a:rPr kumimoji="1" lang="zh-CN" altLang="en-US" sz="2800" dirty="0">
+                <a:solidFill>
+                  <a:srgbClr val="3B3439"/>
+                </a:solidFill>
+                <a:latin typeface="+mn-ea"/>
+                <a:cs typeface="Arial Unicode MS" panose="020B0604020202020204" pitchFamily="34" charset="-122"/>
+              </a:rPr>
+              <a:t>总结与思考</a:t>
+            </a:r>
+            <a:endParaRPr kumimoji="1" lang="en-US" altLang="zh-CN" sz="2800" dirty="0">
+              <a:solidFill>
+                <a:srgbClr val="3B3439"/>
+              </a:solidFill>
+              <a:latin typeface="+mn-ea"/>
+              <a:cs typeface="Arial Unicode MS" panose="020B0604020202020204" pitchFamily="34" charset="-122"/>
+            </a:endParaRPr>
+          </a:p>
+        </p:txBody>
+      </p:sp>
+      <p:pic>
+        <p:nvPicPr>
+          <p:cNvPr id="5" name="Picture 2" descr="C:\Users\Administrator\Desktop\新版PPT模板21435456.png"/>
+          <p:cNvPicPr>
+            <a:picLocks noChangeAspect="1" noChangeArrowheads="1"/>
+          </p:cNvPicPr>
+          <p:nvPr/>
+        </p:nvPicPr>
+        <p:blipFill>
+          <a:blip r:embed="rId3" cstate="print"/>
+          <a:srcRect/>
+          <a:stretch>
+            <a:fillRect/>
+          </a:stretch>
+        </p:blipFill>
+        <p:spPr bwMode="auto">
+          <a:xfrm>
+            <a:off x="678053" y="1258697"/>
+            <a:ext cx="1702414" cy="67183"/>
+          </a:xfrm>
+          <a:prstGeom prst="rect">
+            <a:avLst/>
+          </a:prstGeom>
+          <a:noFill/>
+        </p:spPr>
+      </p:pic>
+    </p:spTree>
+    <p:extLst>
+      <p:ext uri="{BB962C8B-B14F-4D97-AF65-F5344CB8AC3E}">
+        <p14:creationId xmlns:p14="http://schemas.microsoft.com/office/powerpoint/2010/main" val="1479214787"/>
+      </p:ext>
+    </p:extLst>
+  </p:cSld>
+  <p:clrMapOvr>
+    <a:masterClrMapping/>
+  </p:clrMapOvr>
+  <p:timing>
+    <p:tnLst>
+      <p:par>
+        <p:cTn xmlns:p14="http://schemas.microsoft.com/office/powerpoint/2010/main" id="1" dur="indefinite" restart="never" nodeType="tmRoot"/>
+      </p:par>
+    </p:tnLst>
+  </p:timing>
+</p:sld>
+</file>
+
+<file path=ppt/slides/slide15.xml><?xml version="1.0" encoding="utf-8"?>
+<p:sld xmlns:a="http://schemas.openxmlformats.org/drawingml/2006/main" xmlns:r="http://schemas.openxmlformats.org/officeDocument/2006/relationships" xmlns:p="http://schemas.openxmlformats.org/presentationml/2006/main">
+  <p:cSld>
+    <p:spTree>
+      <p:nvGrpSpPr>
+        <p:cNvPr id="1" name=""/>
+        <p:cNvGrpSpPr/>
+        <p:nvPr/>
+      </p:nvGrpSpPr>
+      <p:grpSpPr>
+        <a:xfrm>
+          <a:off x="0" y="0"/>
+          <a:ext cx="0" cy="0"/>
+          <a:chOff x="0" y="0"/>
+          <a:chExt cx="0" cy="0"/>
+        </a:xfrm>
+      </p:grpSpPr>
+      <p:sp>
+        <p:nvSpPr>
+          <p:cNvPr id="3" name="文本框 2"/>
+          <p:cNvSpPr txBox="1"/>
+          <p:nvPr/>
+        </p:nvSpPr>
+        <p:spPr>
+          <a:xfrm>
+            <a:off x="812800" y="1386488"/>
+            <a:ext cx="10376606" cy="523220"/>
+          </a:xfrm>
+          <a:prstGeom prst="rect">
+            <a:avLst/>
+          </a:prstGeom>
+          <a:noFill/>
+        </p:spPr>
+        <p:txBody>
+          <a:bodyPr wrap="square" rtlCol="0">
+            <a:spAutoFit/>
+          </a:bodyPr>
+          <a:lstStyle/>
+          <a:p>
+            <a:r>
+              <a:rPr kumimoji="1" lang="zh-CN" altLang="en-US" sz="2800" dirty="0" smtClean="0">
+                <a:solidFill>
+                  <a:srgbClr val="3B3439"/>
+                </a:solidFill>
+                <a:latin typeface="Arial Unicode MS" panose="020B0604020202020204" pitchFamily="34" charset="-122"/>
+                <a:ea typeface="Arial Unicode MS" panose="020B0604020202020204" pitchFamily="34" charset="-122"/>
+                <a:cs typeface="Arial Unicode MS" panose="020B0604020202020204" pitchFamily="34" charset="-122"/>
+              </a:rPr>
+              <a:t>百年阿里：文化洗礼</a:t>
+            </a:r>
+            <a:endParaRPr kumimoji="1" lang="en-US" altLang="zh-CN" sz="2800" dirty="0" smtClean="0">
+              <a:solidFill>
+                <a:srgbClr val="3B3439"/>
+              </a:solidFill>
+              <a:latin typeface="Arial Unicode MS" panose="020B0604020202020204" pitchFamily="34" charset="-122"/>
+              <a:ea typeface="Arial Unicode MS" panose="020B0604020202020204" pitchFamily="34" charset="-122"/>
+              <a:cs typeface="Arial Unicode MS" panose="020B0604020202020204" pitchFamily="34" charset="-122"/>
+            </a:endParaRPr>
+          </a:p>
+        </p:txBody>
+      </p:sp>
+      <p:sp>
+        <p:nvSpPr>
+          <p:cNvPr id="4" name="TextBox 4"/>
+          <p:cNvSpPr txBox="1"/>
+          <p:nvPr/>
+        </p:nvSpPr>
+        <p:spPr>
+          <a:xfrm>
+            <a:off x="880311" y="618392"/>
+            <a:ext cx="1980029" cy="523220"/>
+          </a:xfrm>
+          <a:prstGeom prst="rect">
+            <a:avLst/>
+          </a:prstGeom>
+          <a:noFill/>
+        </p:spPr>
+        <p:txBody>
+          <a:bodyPr wrap="none" rtlCol="0">
+            <a:spAutoFit/>
+          </a:bodyPr>
+          <a:lstStyle/>
+          <a:p>
+            <a:r>
+              <a:rPr kumimoji="1" lang="zh-CN" altLang="en-US" sz="2800" dirty="0">
+                <a:solidFill>
+                  <a:srgbClr val="3B3439"/>
+                </a:solidFill>
+                <a:latin typeface="+mn-ea"/>
+                <a:cs typeface="Arial Unicode MS" panose="020B0604020202020204" pitchFamily="34" charset="-122"/>
+              </a:rPr>
+              <a:t>总结与思考</a:t>
+            </a:r>
+            <a:endParaRPr kumimoji="1" lang="en-US" altLang="zh-CN" sz="2800" dirty="0">
+              <a:solidFill>
+                <a:srgbClr val="3B3439"/>
+              </a:solidFill>
+              <a:latin typeface="+mn-ea"/>
+              <a:cs typeface="Arial Unicode MS" panose="020B0604020202020204" pitchFamily="34" charset="-122"/>
+            </a:endParaRPr>
+          </a:p>
+        </p:txBody>
+      </p:sp>
+      <p:pic>
+        <p:nvPicPr>
+          <p:cNvPr id="5" name="Picture 2" descr="C:\Users\Administrator\Desktop\新版PPT模板21435456.png"/>
+          <p:cNvPicPr>
+            <a:picLocks noChangeAspect="1" noChangeArrowheads="1"/>
+          </p:cNvPicPr>
+          <p:nvPr/>
+        </p:nvPicPr>
+        <p:blipFill>
+          <a:blip r:embed="rId3" cstate="print"/>
+          <a:srcRect/>
+          <a:stretch>
+            <a:fillRect/>
+          </a:stretch>
+        </p:blipFill>
+        <p:spPr bwMode="auto">
+          <a:xfrm>
+            <a:off x="678053" y="1258697"/>
+            <a:ext cx="1702414" cy="67183"/>
+          </a:xfrm>
+          <a:prstGeom prst="rect">
+            <a:avLst/>
+          </a:prstGeom>
+          <a:noFill/>
+        </p:spPr>
+      </p:pic>
+    </p:spTree>
+    <p:extLst>
+      <p:ext uri="{BB962C8B-B14F-4D97-AF65-F5344CB8AC3E}">
+        <p14:creationId xmlns:p14="http://schemas.microsoft.com/office/powerpoint/2010/main" val="319727884"/>
+      </p:ext>
+    </p:extLst>
+  </p:cSld>
+  <p:clrMapOvr>
+    <a:masterClrMapping/>
+  </p:clrMapOvr>
+  <p:timing>
+    <p:tnLst>
+      <p:par>
+        <p:cTn xmlns:p14="http://schemas.microsoft.com/office/powerpoint/2010/main" id="1" dur="indefinite" restart="never" nodeType="tmRoot"/>
+      </p:par>
+    </p:tnLst>
+  </p:timing>
+</p:sld>
+</file>
+
 <file path=ppt/slides/slide2.xml><?xml version="1.0" encoding="utf-8"?>
 <p:sld xmlns:a="http://schemas.openxmlformats.org/drawingml/2006/main" xmlns:r="http://schemas.openxmlformats.org/officeDocument/2006/relationships" xmlns:p="http://schemas.openxmlformats.org/presentationml/2006/main">
   <p:cSld>
@@ -1670,7 +3841,7 @@
         <p:spPr>
           <a:xfrm>
             <a:off x="812800" y="1386488"/>
-            <a:ext cx="10376606" cy="4401205"/>
+            <a:ext cx="10376606" cy="4832093"/>
           </a:xfrm>
           <a:prstGeom prst="rect">
             <a:avLst/>
@@ -1813,6 +3984,22 @@
               </a:rPr>
               <a:t>处置中心</a:t>
             </a:r>
+          </a:p>
+          <a:p>
+            <a:pPr marL="457200" indent="-457200">
+              <a:buFont typeface="Wingdings" panose="05000000000000000000" pitchFamily="2" charset="2"/>
+              <a:buChar char="p"/>
+            </a:pPr>
+            <a:r>
+              <a:rPr kumimoji="1" lang="zh-CN" altLang="en-US" sz="2800" dirty="0" smtClean="0">
+                <a:solidFill>
+                  <a:srgbClr val="3B3439"/>
+                </a:solidFill>
+                <a:latin typeface="+mn-ea"/>
+                <a:cs typeface="Arial Unicode MS" panose="020B0604020202020204" pitchFamily="34" charset="-122"/>
+              </a:rPr>
+              <a:t>智子运营平台库迁移及数据整合</a:t>
+            </a:r>
             <a:endParaRPr kumimoji="1" lang="en-US" altLang="zh-CN" sz="2800" dirty="0" smtClean="0">
               <a:solidFill>
                 <a:srgbClr val="3B3439"/>
@@ -1827,34 +4014,54 @@
               <a:buChar char="p"/>
             </a:pPr>
             <a:r>
-              <a:rPr kumimoji="1" lang="zh-CN" altLang="en-US" sz="2800" dirty="0" smtClean="0">
+              <a:rPr kumimoji="1" lang="en-US" altLang="zh-CN" sz="2800" dirty="0" smtClean="0">
                 <a:solidFill>
                   <a:srgbClr val="3B3439"/>
                 </a:solidFill>
                 <a:latin typeface="+mn-ea"/>
                 <a:cs typeface="Arial Unicode MS" panose="020B0604020202020204" pitchFamily="34" charset="-122"/>
               </a:rPr>
-              <a:t>分享内容</a:t>
-            </a:r>
-            <a:r>
-              <a:rPr kumimoji="1" lang="en-US" altLang="zh-CN" sz="2800" dirty="0" smtClean="0">
+              <a:t>TDDL</a:t>
+            </a:r>
+            <a:r>
+              <a:rPr kumimoji="1" lang="zh-CN" altLang="en-US" sz="2800" dirty="0" smtClean="0">
                 <a:solidFill>
                   <a:srgbClr val="3B3439"/>
                 </a:solidFill>
                 <a:latin typeface="+mn-ea"/>
                 <a:cs typeface="Arial Unicode MS" panose="020B0604020202020204" pitchFamily="34" charset="-122"/>
               </a:rPr>
-              <a:t>-</a:t>
-            </a:r>
-            <a:r>
-              <a:rPr kumimoji="1" lang="zh-CN" altLang="en-US" sz="2800" dirty="0" smtClean="0">
+              <a:t>分库分表和</a:t>
+            </a:r>
+            <a:r>
+              <a:rPr kumimoji="1" lang="en-US" altLang="zh-CN" sz="2800" dirty="0" err="1" smtClean="0">
                 <a:solidFill>
                   <a:srgbClr val="3B3439"/>
                 </a:solidFill>
                 <a:latin typeface="+mn-ea"/>
                 <a:cs typeface="Arial Unicode MS" panose="020B0604020202020204" pitchFamily="34" charset="-122"/>
               </a:rPr>
-              <a:t>银行风控实例</a:t>
+              <a:t>Mysql-J</a:t>
+            </a:r>
+            <a:r>
+              <a:rPr kumimoji="1" lang="en-US" altLang="zh-CN" sz="2800" dirty="0" err="1" smtClean="0">
+                <a:solidFill>
+                  <a:srgbClr val="3B3439"/>
+                </a:solidFill>
+                <a:latin typeface="+mn-ea"/>
+                <a:cs typeface="Arial Unicode MS" panose="020B0604020202020204" pitchFamily="34" charset="-122"/>
+              </a:rPr>
+              <a:t>son</a:t>
+            </a:r>
+            <a:r>
+              <a:rPr kumimoji="1" lang="zh-CN" altLang="en-US" sz="2800" dirty="0" smtClean="0">
+                <a:solidFill>
+                  <a:srgbClr val="3B3439"/>
+                </a:solidFill>
+                <a:latin typeface="+mn-ea"/>
+                <a:cs typeface="Arial Unicode MS" panose="020B0604020202020204" pitchFamily="34" charset="-122"/>
+              </a:rPr>
+              <a:t>测试</a:t>
             </a:r>
             <a:endParaRPr kumimoji="1" lang="en-US" altLang="zh-CN" sz="2800" dirty="0" smtClean="0">
               <a:solidFill>
@@ -1870,74 +4077,44 @@
               <a:buChar char="p"/>
             </a:pPr>
             <a:r>
-              <a:rPr kumimoji="1" lang="en-US" altLang="zh-CN" sz="2800" dirty="0" smtClean="0">
+              <a:rPr kumimoji="1" lang="zh-CN" altLang="en-US" sz="2800" dirty="0" smtClean="0">
                 <a:solidFill>
                   <a:srgbClr val="3B3439"/>
                 </a:solidFill>
                 <a:latin typeface="+mn-ea"/>
                 <a:cs typeface="Arial Unicode MS" panose="020B0604020202020204" pitchFamily="34" charset="-122"/>
               </a:rPr>
-              <a:t>TDDL</a:t>
-            </a:r>
-            <a:r>
-              <a:rPr kumimoji="1" lang="zh-CN" altLang="en-US" sz="2800" dirty="0" smtClean="0">
+              <a:t>分</a:t>
+            </a:r>
+            <a:r>
+              <a:rPr kumimoji="1" lang="zh-CN" altLang="en-US" sz="2800" dirty="0">
                 <a:solidFill>
                   <a:srgbClr val="3B3439"/>
                 </a:solidFill>
                 <a:latin typeface="+mn-ea"/>
                 <a:cs typeface="Arial Unicode MS" panose="020B0604020202020204" pitchFamily="34" charset="-122"/>
               </a:rPr>
-              <a:t>和</a:t>
-            </a:r>
-            <a:r>
-              <a:rPr kumimoji="1" lang="zh-CN" altLang="zh-CN" sz="2800" dirty="0" smtClean="0">
+              <a:t>享内容</a:t>
+            </a:r>
+            <a:r>
+              <a:rPr kumimoji="1" lang="en-US" altLang="zh-CN" sz="2800" dirty="0">
                 <a:solidFill>
                   <a:srgbClr val="3B3439"/>
                 </a:solidFill>
                 <a:latin typeface="+mn-ea"/>
                 <a:cs typeface="Arial Unicode MS" panose="020B0604020202020204" pitchFamily="34" charset="-122"/>
               </a:rPr>
-              <a:t>m</a:t>
-            </a:r>
-            <a:r>
-              <a:rPr kumimoji="1" lang="en-US" altLang="zh-CN" sz="2800" dirty="0" err="1" smtClean="0">
+              <a:t>-</a:t>
+            </a:r>
+            <a:r>
+              <a:rPr kumimoji="1" lang="zh-CN" altLang="en-US" sz="2800" dirty="0" smtClean="0">
                 <a:solidFill>
                   <a:srgbClr val="3B3439"/>
                 </a:solidFill>
                 <a:latin typeface="+mn-ea"/>
                 <a:cs typeface="Arial Unicode MS" panose="020B0604020202020204" pitchFamily="34" charset="-122"/>
               </a:rPr>
-              <a:t>ysql</a:t>
-            </a:r>
-            <a:r>
-              <a:rPr kumimoji="1" lang="zh-CN" altLang="en-US" sz="2800" dirty="0" smtClean="0">
-                <a:solidFill>
-                  <a:srgbClr val="3B3439"/>
-                </a:solidFill>
-                <a:latin typeface="+mn-ea"/>
-                <a:cs typeface="Arial Unicode MS" panose="020B0604020202020204" pitchFamily="34" charset="-122"/>
-              </a:rPr>
-              <a:t> </a:t>
-            </a:r>
-            <a:r>
-              <a:rPr kumimoji="1" lang="en-US" altLang="zh-CN" sz="2800" dirty="0" err="1" smtClean="0">
-                <a:solidFill>
-                  <a:srgbClr val="3B3439"/>
-                </a:solidFill>
-                <a:latin typeface="+mn-ea"/>
-                <a:cs typeface="Arial Unicode MS" panose="020B0604020202020204" pitchFamily="34" charset="-122"/>
-              </a:rPr>
-              <a:t>json</a:t>
-            </a:r>
-            <a:r>
-              <a:rPr kumimoji="1" lang="zh-CN" altLang="en-US" sz="2800" dirty="0" smtClean="0">
-                <a:solidFill>
-                  <a:srgbClr val="3B3439"/>
-                </a:solidFill>
-                <a:latin typeface="+mn-ea"/>
-                <a:cs typeface="Arial Unicode MS" panose="020B0604020202020204" pitchFamily="34" charset="-122"/>
-              </a:rPr>
-              <a:t>测试</a:t>
+              <a:t>银行风控实例</a:t>
             </a:r>
             <a:endParaRPr kumimoji="1" lang="en-US" altLang="zh-CN" sz="2800" dirty="0" smtClean="0">
               <a:solidFill>
@@ -1953,14 +4130,24 @@
               <a:buChar char="p"/>
             </a:pPr>
             <a:r>
-              <a:rPr kumimoji="1" lang="zh-CN" altLang="en-US" sz="2800" dirty="0" smtClean="0">
+              <a:rPr kumimoji="1" lang="en-US" altLang="zh-CN" sz="2800" dirty="0" smtClean="0">
                 <a:solidFill>
                   <a:srgbClr val="3B3439"/>
                 </a:solidFill>
                 <a:latin typeface="+mn-ea"/>
                 <a:cs typeface="Arial Unicode MS" panose="020B0604020202020204" pitchFamily="34" charset="-122"/>
               </a:rPr>
-              <a:t>百阿</a:t>
+              <a:t>PAI</a:t>
+            </a:r>
+            <a:r>
+              <a:rPr kumimoji="1" lang="zh-CN" altLang="en-US" sz="2800" dirty="0" smtClean="0">
+                <a:solidFill>
+                  <a:srgbClr val="3B3439"/>
+                </a:solidFill>
+                <a:latin typeface="+mn-ea"/>
+                <a:cs typeface="Arial Unicode MS" panose="020B0604020202020204" pitchFamily="34" charset="-122"/>
+              </a:rPr>
+              <a:t>前端</a:t>
             </a:r>
             <a:endParaRPr kumimoji="1" lang="en-US" altLang="zh-CN" sz="2800" dirty="0" smtClean="0">
               <a:solidFill>
@@ -1976,24 +4163,14 @@
               <a:buChar char="p"/>
             </a:pPr>
             <a:r>
-              <a:rPr kumimoji="1" lang="en-US" altLang="zh-CN" sz="2800" dirty="0" smtClean="0">
+              <a:rPr kumimoji="1" lang="zh-CN" altLang="en-US" sz="2800" dirty="0" smtClean="0">
                 <a:solidFill>
                   <a:srgbClr val="3B3439"/>
                 </a:solidFill>
                 <a:latin typeface="+mn-ea"/>
                 <a:cs typeface="Arial Unicode MS" panose="020B0604020202020204" pitchFamily="34" charset="-122"/>
               </a:rPr>
-              <a:t>PAI</a:t>
-            </a:r>
-            <a:r>
-              <a:rPr kumimoji="1" lang="zh-CN" altLang="en-US" sz="2800" dirty="0" smtClean="0">
-                <a:solidFill>
-                  <a:srgbClr val="3B3439"/>
-                </a:solidFill>
-                <a:latin typeface="+mn-ea"/>
-                <a:cs typeface="Arial Unicode MS" panose="020B0604020202020204" pitchFamily="34" charset="-122"/>
-              </a:rPr>
-              <a:t>前端</a:t>
+              <a:t>百阿</a:t>
             </a:r>
             <a:endParaRPr kumimoji="1" lang="en-US" altLang="zh-CN" sz="2800" dirty="0" smtClean="0">
               <a:solidFill>
@@ -2016,7 +4193,7 @@
                 <a:latin typeface="+mn-ea"/>
                 <a:cs typeface="Arial Unicode MS" panose="020B0604020202020204" pitchFamily="34" charset="-122"/>
               </a:rPr>
-              <a:t>总结展望</a:t>
+              <a:t>总结与思考</a:t>
             </a:r>
             <a:endParaRPr kumimoji="1" lang="en-US" altLang="zh-CN" sz="2800" dirty="0" smtClean="0">
               <a:solidFill>
@@ -2084,7 +4261,7 @@
                 <a:ea typeface="Arial Unicode MS" panose="020B0604020202020204" pitchFamily="34" charset="-122"/>
                 <a:cs typeface="Arial Unicode MS" panose="020B0604020202020204" pitchFamily="34" charset="-122"/>
               </a:rPr>
-              <a:t>总结内容</a:t>
+              <a:t>内容列表</a:t>
             </a:r>
             <a:endParaRPr kumimoji="1" lang="en-US" altLang="zh-CN" sz="3600" dirty="0">
               <a:solidFill>
@@ -3440,6 +5617,777 @@
     <p:extLst>
       <p:ext uri="{BB962C8B-B14F-4D97-AF65-F5344CB8AC3E}">
         <p14:creationId xmlns:p14="http://schemas.microsoft.com/office/powerpoint/2010/main" val="3674936245"/>
+      </p:ext>
+    </p:extLst>
+  </p:cSld>
+  <p:clrMapOvr>
+    <a:masterClrMapping/>
+  </p:clrMapOvr>
+  <p:timing>
+    <p:tnLst>
+      <p:par>
+        <p:cTn xmlns:p14="http://schemas.microsoft.com/office/powerpoint/2010/main" id="1" dur="indefinite" restart="never" nodeType="tmRoot"/>
+      </p:par>
+    </p:tnLst>
+  </p:timing>
+</p:sld>
+</file>
+
+<file path=ppt/slides/slide8.xml><?xml version="1.0" encoding="utf-8"?>
+<p:sld xmlns:a="http://schemas.openxmlformats.org/drawingml/2006/main" xmlns:r="http://schemas.openxmlformats.org/officeDocument/2006/relationships" xmlns:p="http://schemas.openxmlformats.org/presentationml/2006/main">
+  <p:cSld>
+    <p:spTree>
+      <p:nvGrpSpPr>
+        <p:cNvPr id="1" name=""/>
+        <p:cNvGrpSpPr/>
+        <p:nvPr/>
+      </p:nvGrpSpPr>
+      <p:grpSpPr>
+        <a:xfrm>
+          <a:off x="0" y="0"/>
+          <a:ext cx="0" cy="0"/>
+          <a:chOff x="0" y="0"/>
+          <a:chExt cx="0" cy="0"/>
+        </a:xfrm>
+      </p:grpSpPr>
+      <p:sp>
+        <p:nvSpPr>
+          <p:cNvPr id="3" name="文本框 2"/>
+          <p:cNvSpPr txBox="1"/>
+          <p:nvPr/>
+        </p:nvSpPr>
+        <p:spPr>
+          <a:xfrm>
+            <a:off x="812800" y="1386488"/>
+            <a:ext cx="10376606" cy="1384995"/>
+          </a:xfrm>
+          <a:prstGeom prst="rect">
+            <a:avLst/>
+          </a:prstGeom>
+          <a:noFill/>
+        </p:spPr>
+        <p:txBody>
+          <a:bodyPr wrap="square" rtlCol="0">
+            <a:spAutoFit/>
+          </a:bodyPr>
+          <a:lstStyle/>
+          <a:p>
+            <a:r>
+              <a:rPr kumimoji="1" lang="zh-CN" altLang="en-US" sz="2800" dirty="0" smtClean="0">
+                <a:solidFill>
+                  <a:srgbClr val="3B3439"/>
+                </a:solidFill>
+                <a:latin typeface="Arial Unicode MS" panose="020B0604020202020204" pitchFamily="34" charset="-122"/>
+                <a:ea typeface="Arial Unicode MS" panose="020B0604020202020204" pitchFamily="34" charset="-122"/>
+                <a:cs typeface="Arial Unicode MS" panose="020B0604020202020204" pitchFamily="34" charset="-122"/>
+              </a:rPr>
+              <a:t>策略中心配置</a:t>
+            </a:r>
+            <a:r>
+              <a:rPr kumimoji="1" lang="en-US" altLang="zh-CN" sz="2800" dirty="0" smtClean="0">
+                <a:solidFill>
+                  <a:srgbClr val="3B3439"/>
+                </a:solidFill>
+                <a:latin typeface="Arial Unicode MS" panose="020B0604020202020204" pitchFamily="34" charset="-122"/>
+                <a:ea typeface="Arial Unicode MS" panose="020B0604020202020204" pitchFamily="34" charset="-122"/>
+                <a:cs typeface="Arial Unicode MS" panose="020B0604020202020204" pitchFamily="34" charset="-122"/>
+              </a:rPr>
+              <a:t>UI</a:t>
+            </a:r>
+            <a:r>
+              <a:rPr kumimoji="1" lang="zh-CN" altLang="en-US" sz="2800" dirty="0">
+                <a:solidFill>
+                  <a:srgbClr val="3B3439"/>
+                </a:solidFill>
+                <a:latin typeface="Arial Unicode MS" panose="020B0604020202020204" pitchFamily="34" charset="-122"/>
+                <a:ea typeface="Arial Unicode MS" panose="020B0604020202020204" pitchFamily="34" charset="-122"/>
+                <a:cs typeface="Arial Unicode MS" panose="020B0604020202020204" pitchFamily="34" charset="-122"/>
+              </a:rPr>
+              <a:t>—</a:t>
+            </a:r>
+            <a:r>
+              <a:rPr kumimoji="1" lang="zh-CN" altLang="en-US" sz="2800" dirty="0" smtClean="0">
+                <a:solidFill>
+                  <a:srgbClr val="3B3439"/>
+                </a:solidFill>
+                <a:latin typeface="Arial Unicode MS" panose="020B0604020202020204" pitchFamily="34" charset="-122"/>
+                <a:ea typeface="Arial Unicode MS" panose="020B0604020202020204" pitchFamily="34" charset="-122"/>
+                <a:cs typeface="Arial Unicode MS" panose="020B0604020202020204" pitchFamily="34" charset="-122"/>
+              </a:rPr>
+              <a:t>—</a:t>
+            </a:r>
+            <a:r>
+              <a:rPr kumimoji="1" lang="zh-CN" altLang="en-US" sz="2800" dirty="0" smtClean="0">
+                <a:solidFill>
+                  <a:srgbClr val="FF0000"/>
+                </a:solidFill>
+                <a:latin typeface="Arial Unicode MS" panose="020B0604020202020204" pitchFamily="34" charset="-122"/>
+                <a:ea typeface="Arial Unicode MS" panose="020B0604020202020204" pitchFamily="34" charset="-122"/>
+                <a:cs typeface="Arial Unicode MS" panose="020B0604020202020204" pitchFamily="34" charset="-122"/>
+              </a:rPr>
+              <a:t>依赖</a:t>
+            </a:r>
+            <a:r>
+              <a:rPr kumimoji="1" lang="en-US" altLang="zh-CN" sz="2800" dirty="0" smtClean="0">
+                <a:solidFill>
+                  <a:srgbClr val="FF0000"/>
+                </a:solidFill>
+                <a:latin typeface="Arial Unicode MS" panose="020B0604020202020204" pitchFamily="34" charset="-122"/>
+                <a:ea typeface="Arial Unicode MS" panose="020B0604020202020204" pitchFamily="34" charset="-122"/>
+                <a:cs typeface="Arial Unicode MS" panose="020B0604020202020204" pitchFamily="34" charset="-122"/>
+              </a:rPr>
+              <a:t>DAG——</a:t>
+            </a:r>
+            <a:r>
+              <a:rPr kumimoji="1" lang="en-US" altLang="zh-CN" sz="2800" dirty="0" err="1" smtClean="0">
+                <a:solidFill>
+                  <a:srgbClr val="FF0000"/>
+                </a:solidFill>
+                <a:latin typeface="Arial Unicode MS" panose="020B0604020202020204" pitchFamily="34" charset="-122"/>
+                <a:ea typeface="Arial Unicode MS" panose="020B0604020202020204" pitchFamily="34" charset="-122"/>
+                <a:cs typeface="Arial Unicode MS" panose="020B0604020202020204" pitchFamily="34" charset="-122"/>
+              </a:rPr>
+              <a:t>json</a:t>
+            </a:r>
+            <a:r>
+              <a:rPr kumimoji="1" lang="zh-CN" altLang="en-US" sz="2800" dirty="0" smtClean="0">
+                <a:solidFill>
+                  <a:srgbClr val="FF0000"/>
+                </a:solidFill>
+                <a:latin typeface="Arial Unicode MS" panose="020B0604020202020204" pitchFamily="34" charset="-122"/>
+                <a:ea typeface="Arial Unicode MS" panose="020B0604020202020204" pitchFamily="34" charset="-122"/>
+                <a:cs typeface="Arial Unicode MS" panose="020B0604020202020204" pitchFamily="34" charset="-122"/>
+              </a:rPr>
+              <a:t>模板</a:t>
+            </a:r>
+            <a:r>
+              <a:rPr kumimoji="1" lang="en-US" altLang="zh-CN" sz="2800" dirty="0" smtClean="0">
+                <a:solidFill>
+                  <a:srgbClr val="3B3439"/>
+                </a:solidFill>
+                <a:latin typeface="Arial Unicode MS" panose="020B0604020202020204" pitchFamily="34" charset="-122"/>
+                <a:ea typeface="Arial Unicode MS" panose="020B0604020202020204" pitchFamily="34" charset="-122"/>
+                <a:cs typeface="Arial Unicode MS" panose="020B0604020202020204" pitchFamily="34" charset="-122"/>
+              </a:rPr>
+              <a:t>——</a:t>
+            </a:r>
+            <a:r>
+              <a:rPr kumimoji="1" lang="zh-CN" altLang="en-US" sz="2800" dirty="0" smtClean="0">
+                <a:solidFill>
+                  <a:srgbClr val="3B3439"/>
+                </a:solidFill>
+                <a:latin typeface="Arial Unicode MS" panose="020B0604020202020204" pitchFamily="34" charset="-122"/>
+                <a:ea typeface="Arial Unicode MS" panose="020B0604020202020204" pitchFamily="34" charset="-122"/>
+                <a:cs typeface="Arial Unicode MS" panose="020B0604020202020204" pitchFamily="34" charset="-122"/>
+              </a:rPr>
+              <a:t>翻译成</a:t>
+            </a:r>
+            <a:r>
+              <a:rPr kumimoji="1" lang="en-US" altLang="zh-CN" sz="2800" dirty="0" smtClean="0">
+                <a:solidFill>
+                  <a:srgbClr val="3B3439"/>
+                </a:solidFill>
+                <a:latin typeface="Arial Unicode MS" panose="020B0604020202020204" pitchFamily="34" charset="-122"/>
+                <a:ea typeface="Arial Unicode MS" panose="020B0604020202020204" pitchFamily="34" charset="-122"/>
+                <a:cs typeface="Arial Unicode MS" panose="020B0604020202020204" pitchFamily="34" charset="-122"/>
+              </a:rPr>
+              <a:t>spark</a:t>
+            </a:r>
+            <a:r>
+              <a:rPr kumimoji="1" lang="zh-CN" altLang="en-US" sz="2800" dirty="0" smtClean="0">
+                <a:solidFill>
+                  <a:srgbClr val="3B3439"/>
+                </a:solidFill>
+                <a:latin typeface="Arial Unicode MS" panose="020B0604020202020204" pitchFamily="34" charset="-122"/>
+                <a:ea typeface="Arial Unicode MS" panose="020B0604020202020204" pitchFamily="34" charset="-122"/>
+                <a:cs typeface="Arial Unicode MS" panose="020B0604020202020204" pitchFamily="34" charset="-122"/>
+              </a:rPr>
+              <a:t>程序</a:t>
+            </a:r>
+            <a:endParaRPr kumimoji="1" lang="en-US" altLang="zh-CN" sz="2800" dirty="0" smtClean="0">
+              <a:solidFill>
+                <a:srgbClr val="3B3439"/>
+              </a:solidFill>
+              <a:latin typeface="Arial Unicode MS" panose="020B0604020202020204" pitchFamily="34" charset="-122"/>
+              <a:ea typeface="Arial Unicode MS" panose="020B0604020202020204" pitchFamily="34" charset="-122"/>
+              <a:cs typeface="Arial Unicode MS" panose="020B0604020202020204" pitchFamily="34" charset="-122"/>
+            </a:endParaRPr>
+          </a:p>
+          <a:p>
+            <a:endParaRPr kumimoji="1" lang="en-US" altLang="zh-CN" sz="2800" dirty="0">
+              <a:solidFill>
+                <a:srgbClr val="3B3439"/>
+              </a:solidFill>
+              <a:latin typeface="Arial Unicode MS" panose="020B0604020202020204" pitchFamily="34" charset="-122"/>
+              <a:ea typeface="Arial Unicode MS" panose="020B0604020202020204" pitchFamily="34" charset="-122"/>
+              <a:cs typeface="Arial Unicode MS" panose="020B0604020202020204" pitchFamily="34" charset="-122"/>
+            </a:endParaRPr>
+          </a:p>
+          <a:p>
+            <a:r>
+              <a:rPr kumimoji="1" lang="zh-CN" altLang="en-US" sz="2800" dirty="0" smtClean="0">
+                <a:solidFill>
+                  <a:srgbClr val="3B3439"/>
+                </a:solidFill>
+                <a:latin typeface="Arial Unicode MS" panose="020B0604020202020204" pitchFamily="34" charset="-122"/>
+                <a:ea typeface="Arial Unicode MS" panose="020B0604020202020204" pitchFamily="34" charset="-122"/>
+                <a:cs typeface="Arial Unicode MS" panose="020B0604020202020204" pitchFamily="34" charset="-122"/>
+              </a:rPr>
+              <a:t>涉及策略、</a:t>
+            </a:r>
+            <a:r>
+              <a:rPr kumimoji="1" lang="en-US" altLang="zh-CN" sz="2800" dirty="0" smtClean="0">
+                <a:solidFill>
+                  <a:srgbClr val="3B3439"/>
+                </a:solidFill>
+                <a:latin typeface="Arial Unicode MS" panose="020B0604020202020204" pitchFamily="34" charset="-122"/>
+                <a:ea typeface="Arial Unicode MS" panose="020B0604020202020204" pitchFamily="34" charset="-122"/>
+                <a:cs typeface="Arial Unicode MS" panose="020B0604020202020204" pitchFamily="34" charset="-122"/>
+              </a:rPr>
+              <a:t>Meta</a:t>
+            </a:r>
+            <a:r>
+              <a:rPr kumimoji="1" lang="zh-CN" altLang="en-US" sz="2800" dirty="0" smtClean="0">
+                <a:solidFill>
+                  <a:srgbClr val="3B3439"/>
+                </a:solidFill>
+                <a:latin typeface="Arial Unicode MS" panose="020B0604020202020204" pitchFamily="34" charset="-122"/>
+                <a:ea typeface="Arial Unicode MS" panose="020B0604020202020204" pitchFamily="34" charset="-122"/>
+                <a:cs typeface="Arial Unicode MS" panose="020B0604020202020204" pitchFamily="34" charset="-122"/>
+              </a:rPr>
+              <a:t>管理、数据源、标准化属性列表</a:t>
+            </a:r>
+            <a:endParaRPr kumimoji="1" lang="zh-CN" altLang="en-US" sz="2800" dirty="0" smtClean="0">
+              <a:solidFill>
+                <a:srgbClr val="3B3439"/>
+              </a:solidFill>
+              <a:latin typeface="Arial Unicode MS" panose="020B0604020202020204" pitchFamily="34" charset="-122"/>
+              <a:ea typeface="Arial Unicode MS" panose="020B0604020202020204" pitchFamily="34" charset="-122"/>
+              <a:cs typeface="Arial Unicode MS" panose="020B0604020202020204" pitchFamily="34" charset="-122"/>
+            </a:endParaRPr>
+          </a:p>
+        </p:txBody>
+      </p:sp>
+      <p:sp>
+        <p:nvSpPr>
+          <p:cNvPr id="4" name="TextBox 4"/>
+          <p:cNvSpPr txBox="1"/>
+          <p:nvPr/>
+        </p:nvSpPr>
+        <p:spPr>
+          <a:xfrm>
+            <a:off x="880311" y="618392"/>
+            <a:ext cx="3954929" cy="523220"/>
+          </a:xfrm>
+          <a:prstGeom prst="rect">
+            <a:avLst/>
+          </a:prstGeom>
+          <a:noFill/>
+        </p:spPr>
+        <p:txBody>
+          <a:bodyPr wrap="none" rtlCol="0">
+            <a:spAutoFit/>
+          </a:bodyPr>
+          <a:lstStyle/>
+          <a:p>
+            <a:r>
+              <a:rPr kumimoji="1" lang="zh-CN" altLang="en-US" sz="2800" dirty="0">
+                <a:solidFill>
+                  <a:srgbClr val="3B3439"/>
+                </a:solidFill>
+                <a:latin typeface="+mn-ea"/>
+                <a:cs typeface="Arial Unicode MS" panose="020B0604020202020204" pitchFamily="34" charset="-122"/>
+              </a:rPr>
+              <a:t>迭代工作内容</a:t>
+            </a:r>
+            <a:r>
+              <a:rPr kumimoji="1" lang="en-US" altLang="zh-CN" sz="2800" dirty="0">
+                <a:solidFill>
+                  <a:srgbClr val="3B3439"/>
+                </a:solidFill>
+                <a:latin typeface="+mn-ea"/>
+                <a:cs typeface="Arial Unicode MS" panose="020B0604020202020204" pitchFamily="34" charset="-122"/>
+              </a:rPr>
+              <a:t>-</a:t>
+            </a:r>
+            <a:r>
+              <a:rPr kumimoji="1" lang="zh-CN" altLang="en-US" sz="2800" dirty="0">
+                <a:solidFill>
+                  <a:srgbClr val="3B3439"/>
+                </a:solidFill>
+                <a:latin typeface="+mn-ea"/>
+                <a:cs typeface="Arial Unicode MS" panose="020B0604020202020204" pitchFamily="34" charset="-122"/>
+              </a:rPr>
+              <a:t>策略生成</a:t>
+            </a:r>
+            <a:r>
+              <a:rPr kumimoji="1" lang="en-US" altLang="zh-CN" sz="2800" dirty="0">
+                <a:solidFill>
+                  <a:srgbClr val="3B3439"/>
+                </a:solidFill>
+                <a:latin typeface="+mn-ea"/>
+                <a:cs typeface="Arial Unicode MS" panose="020B0604020202020204" pitchFamily="34" charset="-122"/>
+              </a:rPr>
+              <a:t>    </a:t>
+            </a:r>
+          </a:p>
+        </p:txBody>
+      </p:sp>
+      <p:pic>
+        <p:nvPicPr>
+          <p:cNvPr id="5" name="Picture 2" descr="C:\Users\Administrator\Desktop\新版PPT模板21435456.png"/>
+          <p:cNvPicPr>
+            <a:picLocks noChangeAspect="1" noChangeArrowheads="1"/>
+          </p:cNvPicPr>
+          <p:nvPr/>
+        </p:nvPicPr>
+        <p:blipFill>
+          <a:blip r:embed="rId3" cstate="print"/>
+          <a:srcRect/>
+          <a:stretch>
+            <a:fillRect/>
+          </a:stretch>
+        </p:blipFill>
+        <p:spPr bwMode="auto">
+          <a:xfrm>
+            <a:off x="678053" y="1258697"/>
+            <a:ext cx="1702414" cy="67183"/>
+          </a:xfrm>
+          <a:prstGeom prst="rect">
+            <a:avLst/>
+          </a:prstGeom>
+          <a:noFill/>
+        </p:spPr>
+      </p:pic>
+    </p:spTree>
+    <p:extLst>
+      <p:ext uri="{BB962C8B-B14F-4D97-AF65-F5344CB8AC3E}">
+        <p14:creationId xmlns:p14="http://schemas.microsoft.com/office/powerpoint/2010/main" val="1080200861"/>
+      </p:ext>
+    </p:extLst>
+  </p:cSld>
+  <p:clrMapOvr>
+    <a:masterClrMapping/>
+  </p:clrMapOvr>
+  <p:timing>
+    <p:tnLst>
+      <p:par>
+        <p:cTn xmlns:p14="http://schemas.microsoft.com/office/powerpoint/2010/main" id="1" dur="indefinite" restart="never" nodeType="tmRoot"/>
+      </p:par>
+    </p:tnLst>
+  </p:timing>
+</p:sld>
+</file>
+
+<file path=ppt/slides/slide9.xml><?xml version="1.0" encoding="utf-8"?>
+<p:sld xmlns:a="http://schemas.openxmlformats.org/drawingml/2006/main" xmlns:r="http://schemas.openxmlformats.org/officeDocument/2006/relationships" xmlns:p="http://schemas.openxmlformats.org/presentationml/2006/main">
+  <p:cSld>
+    <p:spTree>
+      <p:nvGrpSpPr>
+        <p:cNvPr id="1" name=""/>
+        <p:cNvGrpSpPr/>
+        <p:nvPr/>
+      </p:nvGrpSpPr>
+      <p:grpSpPr>
+        <a:xfrm>
+          <a:off x="0" y="0"/>
+          <a:ext cx="0" cy="0"/>
+          <a:chOff x="0" y="0"/>
+          <a:chExt cx="0" cy="0"/>
+        </a:xfrm>
+      </p:grpSpPr>
+      <p:sp>
+        <p:nvSpPr>
+          <p:cNvPr id="3" name="文本框 2"/>
+          <p:cNvSpPr txBox="1"/>
+          <p:nvPr/>
+        </p:nvSpPr>
+        <p:spPr>
+          <a:xfrm>
+            <a:off x="812800" y="1386488"/>
+            <a:ext cx="10376606" cy="3108544"/>
+          </a:xfrm>
+          <a:prstGeom prst="rect">
+            <a:avLst/>
+          </a:prstGeom>
+          <a:noFill/>
+        </p:spPr>
+        <p:txBody>
+          <a:bodyPr wrap="square" rtlCol="0">
+            <a:spAutoFit/>
+          </a:bodyPr>
+          <a:lstStyle/>
+          <a:p>
+            <a:r>
+              <a:rPr kumimoji="1" lang="zh-CN" altLang="en-US" sz="2800" dirty="0" smtClean="0">
+                <a:solidFill>
+                  <a:srgbClr val="3B3439"/>
+                </a:solidFill>
+                <a:latin typeface="Arial Unicode MS" panose="020B0604020202020204" pitchFamily="34" charset="-122"/>
+                <a:ea typeface="Arial Unicode MS" panose="020B0604020202020204" pitchFamily="34" charset="-122"/>
+                <a:cs typeface="Arial Unicode MS" panose="020B0604020202020204" pitchFamily="34" charset="-122"/>
+              </a:rPr>
+              <a:t>事件处理</a:t>
+            </a:r>
+            <a:r>
+              <a:rPr kumimoji="1" lang="en-US" altLang="zh-CN" sz="2800" dirty="0" smtClean="0">
+                <a:solidFill>
+                  <a:srgbClr val="3B3439"/>
+                </a:solidFill>
+                <a:latin typeface="Arial Unicode MS" panose="020B0604020202020204" pitchFamily="34" charset="-122"/>
+                <a:ea typeface="Arial Unicode MS" panose="020B0604020202020204" pitchFamily="34" charset="-122"/>
+                <a:cs typeface="Arial Unicode MS" panose="020B0604020202020204" pitchFamily="34" charset="-122"/>
+              </a:rPr>
+              <a:t>——</a:t>
+            </a:r>
+            <a:r>
+              <a:rPr kumimoji="1" lang="zh-CN" altLang="en-US" sz="2800" dirty="0" smtClean="0">
+                <a:solidFill>
+                  <a:srgbClr val="3B3439"/>
+                </a:solidFill>
+                <a:latin typeface="Arial Unicode MS" panose="020B0604020202020204" pitchFamily="34" charset="-122"/>
+                <a:ea typeface="Arial Unicode MS" panose="020B0604020202020204" pitchFamily="34" charset="-122"/>
+                <a:cs typeface="Arial Unicode MS" panose="020B0604020202020204" pitchFamily="34" charset="-122"/>
+              </a:rPr>
+              <a:t>止血</a:t>
+            </a:r>
+            <a:r>
+              <a:rPr kumimoji="1" lang="en-US" altLang="zh-CN" sz="2800" dirty="0" smtClean="0">
+                <a:solidFill>
+                  <a:srgbClr val="3B3439"/>
+                </a:solidFill>
+                <a:latin typeface="Arial Unicode MS" panose="020B0604020202020204" pitchFamily="34" charset="-122"/>
+                <a:ea typeface="Arial Unicode MS" panose="020B0604020202020204" pitchFamily="34" charset="-122"/>
+                <a:cs typeface="Arial Unicode MS" panose="020B0604020202020204" pitchFamily="34" charset="-122"/>
+              </a:rPr>
+              <a:t>——</a:t>
+            </a:r>
+            <a:r>
+              <a:rPr kumimoji="1" lang="zh-CN" altLang="en-US" sz="2800" dirty="0" smtClean="0">
+                <a:solidFill>
+                  <a:srgbClr val="3B3439"/>
+                </a:solidFill>
+                <a:latin typeface="Arial Unicode MS" panose="020B0604020202020204" pitchFamily="34" charset="-122"/>
+                <a:ea typeface="Arial Unicode MS" panose="020B0604020202020204" pitchFamily="34" charset="-122"/>
+                <a:cs typeface="Arial Unicode MS" panose="020B0604020202020204" pitchFamily="34" charset="-122"/>
+              </a:rPr>
+              <a:t>使用工具</a:t>
+            </a:r>
+            <a:r>
+              <a:rPr kumimoji="1" lang="en-US" altLang="zh-CN" sz="2800" dirty="0" smtClean="0">
+                <a:solidFill>
+                  <a:srgbClr val="3B3439"/>
+                </a:solidFill>
+                <a:latin typeface="Arial Unicode MS" panose="020B0604020202020204" pitchFamily="34" charset="-122"/>
+                <a:ea typeface="Arial Unicode MS" panose="020B0604020202020204" pitchFamily="34" charset="-122"/>
+                <a:cs typeface="Arial Unicode MS" panose="020B0604020202020204" pitchFamily="34" charset="-122"/>
+              </a:rPr>
+              <a:t>——</a:t>
+            </a:r>
+            <a:r>
+              <a:rPr kumimoji="1" lang="zh-CN" altLang="en-US" sz="2800" dirty="0" smtClean="0">
+                <a:solidFill>
+                  <a:srgbClr val="3B3439"/>
+                </a:solidFill>
+                <a:latin typeface="Arial Unicode MS" panose="020B0604020202020204" pitchFamily="34" charset="-122"/>
+                <a:ea typeface="Arial Unicode MS" panose="020B0604020202020204" pitchFamily="34" charset="-122"/>
+                <a:cs typeface="Arial Unicode MS" panose="020B0604020202020204" pitchFamily="34" charset="-122"/>
+              </a:rPr>
+              <a:t>工具下发</a:t>
+            </a:r>
+            <a:r>
+              <a:rPr kumimoji="1" lang="en-US" altLang="zh-CN" sz="2800" dirty="0" smtClean="0">
+                <a:solidFill>
+                  <a:srgbClr val="3B3439"/>
+                </a:solidFill>
+                <a:latin typeface="Arial Unicode MS" panose="020B0604020202020204" pitchFamily="34" charset="-122"/>
+                <a:ea typeface="Arial Unicode MS" panose="020B0604020202020204" pitchFamily="34" charset="-122"/>
+                <a:cs typeface="Arial Unicode MS" panose="020B0604020202020204" pitchFamily="34" charset="-122"/>
+              </a:rPr>
+              <a:t>——</a:t>
+            </a:r>
+            <a:r>
+              <a:rPr kumimoji="1" lang="zh-CN" altLang="en-US" sz="2800" dirty="0" smtClean="0">
+                <a:solidFill>
+                  <a:srgbClr val="3B3439"/>
+                </a:solidFill>
+                <a:latin typeface="Arial Unicode MS" panose="020B0604020202020204" pitchFamily="34" charset="-122"/>
+                <a:ea typeface="Arial Unicode MS" panose="020B0604020202020204" pitchFamily="34" charset="-122"/>
+                <a:cs typeface="Arial Unicode MS" panose="020B0604020202020204" pitchFamily="34" charset="-122"/>
+              </a:rPr>
+              <a:t>处理结果</a:t>
+            </a:r>
+            <a:endParaRPr kumimoji="1" lang="en-US" altLang="zh-CN" sz="2800" dirty="0" smtClean="0">
+              <a:solidFill>
+                <a:srgbClr val="3B3439"/>
+              </a:solidFill>
+              <a:latin typeface="Arial Unicode MS" panose="020B0604020202020204" pitchFamily="34" charset="-122"/>
+              <a:ea typeface="Arial Unicode MS" panose="020B0604020202020204" pitchFamily="34" charset="-122"/>
+              <a:cs typeface="Arial Unicode MS" panose="020B0604020202020204" pitchFamily="34" charset="-122"/>
+            </a:endParaRPr>
+          </a:p>
+          <a:p>
+            <a:endParaRPr kumimoji="1" lang="en-US" altLang="zh-CN" sz="2800" dirty="0">
+              <a:solidFill>
+                <a:srgbClr val="3B3439"/>
+              </a:solidFill>
+              <a:latin typeface="Arial Unicode MS" panose="020B0604020202020204" pitchFamily="34" charset="-122"/>
+              <a:ea typeface="Arial Unicode MS" panose="020B0604020202020204" pitchFamily="34" charset="-122"/>
+              <a:cs typeface="Arial Unicode MS" panose="020B0604020202020204" pitchFamily="34" charset="-122"/>
+            </a:endParaRPr>
+          </a:p>
+          <a:p>
+            <a:r>
+              <a:rPr kumimoji="1" lang="zh-CN" altLang="en-US" sz="2800" dirty="0" smtClean="0">
+                <a:solidFill>
+                  <a:srgbClr val="3B3439"/>
+                </a:solidFill>
+                <a:latin typeface="Arial Unicode MS" panose="020B0604020202020204" pitchFamily="34" charset="-122"/>
+                <a:ea typeface="Arial Unicode MS" panose="020B0604020202020204" pitchFamily="34" charset="-122"/>
+                <a:cs typeface="Arial Unicode MS" panose="020B0604020202020204" pitchFamily="34" charset="-122"/>
+              </a:rPr>
+              <a:t>完善处置中心中工具下发，增加用户上传、更新工具后，工具上传</a:t>
+            </a:r>
+            <a:r>
+              <a:rPr kumimoji="1" lang="en-US" altLang="zh-CN" sz="2800" dirty="0" smtClean="0">
+                <a:solidFill>
+                  <a:srgbClr val="3B3439"/>
+                </a:solidFill>
+                <a:latin typeface="Arial Unicode MS" panose="020B0604020202020204" pitchFamily="34" charset="-122"/>
+                <a:ea typeface="Arial Unicode MS" panose="020B0604020202020204" pitchFamily="34" charset="-122"/>
+                <a:cs typeface="Arial Unicode MS" panose="020B0604020202020204" pitchFamily="34" charset="-122"/>
+              </a:rPr>
+              <a:t>OSS</a:t>
+            </a:r>
+            <a:r>
+              <a:rPr kumimoji="1" lang="zh-CN" altLang="en-US" sz="2800" dirty="0" smtClean="0">
+                <a:solidFill>
+                  <a:srgbClr val="3B3439"/>
+                </a:solidFill>
+                <a:latin typeface="Arial Unicode MS" panose="020B0604020202020204" pitchFamily="34" charset="-122"/>
+                <a:ea typeface="Arial Unicode MS" panose="020B0604020202020204" pitchFamily="34" charset="-122"/>
+                <a:cs typeface="Arial Unicode MS" panose="020B0604020202020204" pitchFamily="34" charset="-122"/>
+              </a:rPr>
+              <a:t>同时自动同步到</a:t>
+            </a:r>
+            <a:r>
+              <a:rPr kumimoji="1" lang="en-US" altLang="zh-CN" sz="2800" dirty="0" smtClean="0">
+                <a:solidFill>
+                  <a:srgbClr val="3B3439"/>
+                </a:solidFill>
+                <a:latin typeface="Arial Unicode MS" panose="020B0604020202020204" pitchFamily="34" charset="-122"/>
+                <a:ea typeface="Arial Unicode MS" panose="020B0604020202020204" pitchFamily="34" charset="-122"/>
+                <a:cs typeface="Arial Unicode MS" panose="020B0604020202020204" pitchFamily="34" charset="-122"/>
+              </a:rPr>
+              <a:t>Hermes A</a:t>
+            </a:r>
+            <a:r>
+              <a:rPr kumimoji="1" lang="en-US" altLang="zh-CN" sz="2800" dirty="0" smtClean="0">
+                <a:solidFill>
+                  <a:srgbClr val="3B3439"/>
+                </a:solidFill>
+                <a:latin typeface="Arial Unicode MS" panose="020B0604020202020204" pitchFamily="34" charset="-122"/>
+                <a:ea typeface="Arial Unicode MS" panose="020B0604020202020204" pitchFamily="34" charset="-122"/>
+                <a:cs typeface="Arial Unicode MS" panose="020B0604020202020204" pitchFamily="34" charset="-122"/>
+              </a:rPr>
+              <a:t>gent</a:t>
+            </a:r>
+            <a:r>
+              <a:rPr kumimoji="1" lang="zh-CN" altLang="en-US" sz="2800" dirty="0" smtClean="0">
+                <a:solidFill>
+                  <a:srgbClr val="3B3439"/>
+                </a:solidFill>
+                <a:latin typeface="Arial Unicode MS" panose="020B0604020202020204" pitchFamily="34" charset="-122"/>
+                <a:ea typeface="Arial Unicode MS" panose="020B0604020202020204" pitchFamily="34" charset="-122"/>
+                <a:cs typeface="Arial Unicode MS" panose="020B0604020202020204" pitchFamily="34" charset="-122"/>
+              </a:rPr>
+              <a:t>，原有过程是每次都在用户更新工具后开发人员手动同步到</a:t>
+            </a:r>
+            <a:r>
+              <a:rPr kumimoji="1" lang="en-US" altLang="zh-CN" sz="2800" dirty="0" smtClean="0">
+                <a:solidFill>
+                  <a:srgbClr val="3B3439"/>
+                </a:solidFill>
+                <a:latin typeface="Arial Unicode MS" panose="020B0604020202020204" pitchFamily="34" charset="-122"/>
+                <a:ea typeface="Arial Unicode MS" panose="020B0604020202020204" pitchFamily="34" charset="-122"/>
+                <a:cs typeface="Arial Unicode MS" panose="020B0604020202020204" pitchFamily="34" charset="-122"/>
+              </a:rPr>
+              <a:t>Hermes Agent</a:t>
+            </a:r>
+          </a:p>
+          <a:p>
+            <a:endParaRPr kumimoji="1" lang="en-US" altLang="zh-CN" sz="2800" dirty="0">
+              <a:solidFill>
+                <a:srgbClr val="3B3439"/>
+              </a:solidFill>
+              <a:latin typeface="Arial Unicode MS" panose="020B0604020202020204" pitchFamily="34" charset="-122"/>
+              <a:ea typeface="Arial Unicode MS" panose="020B0604020202020204" pitchFamily="34" charset="-122"/>
+              <a:cs typeface="Arial Unicode MS" panose="020B0604020202020204" pitchFamily="34" charset="-122"/>
+            </a:endParaRPr>
+          </a:p>
+          <a:p>
+            <a:r>
+              <a:rPr kumimoji="1" lang="zh-CN" altLang="en-US" sz="2800" dirty="0" smtClean="0">
+                <a:solidFill>
+                  <a:srgbClr val="3B3439"/>
+                </a:solidFill>
+                <a:latin typeface="Arial Unicode MS" panose="020B0604020202020204" pitchFamily="34" charset="-122"/>
+                <a:ea typeface="Arial Unicode MS" panose="020B0604020202020204" pitchFamily="34" charset="-122"/>
+                <a:cs typeface="Arial Unicode MS" panose="020B0604020202020204" pitchFamily="34" charset="-122"/>
+              </a:rPr>
+              <a:t>遇到问题较多是与</a:t>
+            </a:r>
+            <a:r>
+              <a:rPr kumimoji="1" lang="en-US" altLang="zh-CN" sz="2800" dirty="0" smtClean="0">
+                <a:solidFill>
+                  <a:srgbClr val="3B3439"/>
+                </a:solidFill>
+                <a:latin typeface="Arial Unicode MS" panose="020B0604020202020204" pitchFamily="34" charset="-122"/>
+                <a:ea typeface="Arial Unicode MS" panose="020B0604020202020204" pitchFamily="34" charset="-122"/>
+                <a:cs typeface="Arial Unicode MS" panose="020B0604020202020204" pitchFamily="34" charset="-122"/>
+              </a:rPr>
+              <a:t>Hermes</a:t>
+            </a:r>
+            <a:r>
+              <a:rPr kumimoji="1" lang="zh-CN" altLang="en-US" sz="2800" dirty="0" smtClean="0">
+                <a:solidFill>
+                  <a:srgbClr val="3B3439"/>
+                </a:solidFill>
+                <a:latin typeface="Arial Unicode MS" panose="020B0604020202020204" pitchFamily="34" charset="-122"/>
+                <a:ea typeface="Arial Unicode MS" panose="020B0604020202020204" pitchFamily="34" charset="-122"/>
+                <a:cs typeface="Arial Unicode MS" panose="020B0604020202020204" pitchFamily="34" charset="-122"/>
+              </a:rPr>
+              <a:t>联调，</a:t>
+            </a:r>
+            <a:r>
+              <a:rPr kumimoji="1" lang="en-US" altLang="zh-CN" sz="2800" dirty="0" smtClean="0">
+                <a:solidFill>
+                  <a:srgbClr val="3B3439"/>
+                </a:solidFill>
+                <a:latin typeface="Arial Unicode MS" panose="020B0604020202020204" pitchFamily="34" charset="-122"/>
+                <a:ea typeface="Arial Unicode MS" panose="020B0604020202020204" pitchFamily="34" charset="-122"/>
+                <a:cs typeface="Arial Unicode MS" panose="020B0604020202020204" pitchFamily="34" charset="-122"/>
+              </a:rPr>
+              <a:t>Hermes </a:t>
+            </a:r>
+            <a:r>
+              <a:rPr kumimoji="1" lang="zh-CN" altLang="en-US" sz="2800" dirty="0" smtClean="0">
+                <a:solidFill>
+                  <a:srgbClr val="3B3439"/>
+                </a:solidFill>
+                <a:latin typeface="Arial Unicode MS" panose="020B0604020202020204" pitchFamily="34" charset="-122"/>
+                <a:ea typeface="Arial Unicode MS" panose="020B0604020202020204" pitchFamily="34" charset="-122"/>
+                <a:cs typeface="Arial Unicode MS" panose="020B0604020202020204" pitchFamily="34" charset="-122"/>
+              </a:rPr>
+              <a:t>使用</a:t>
+            </a:r>
+            <a:r>
+              <a:rPr kumimoji="1" lang="en-US" altLang="zh-CN" sz="2800" dirty="0" smtClean="0">
+                <a:solidFill>
+                  <a:srgbClr val="3B3439"/>
+                </a:solidFill>
+                <a:latin typeface="Arial Unicode MS" panose="020B0604020202020204" pitchFamily="34" charset="-122"/>
+                <a:ea typeface="Arial Unicode MS" panose="020B0604020202020204" pitchFamily="34" charset="-122"/>
+                <a:cs typeface="Arial Unicode MS" panose="020B0604020202020204" pitchFamily="34" charset="-122"/>
+              </a:rPr>
+              <a:t>Rest API </a:t>
+            </a:r>
+            <a:endParaRPr kumimoji="1" lang="zh-CN" altLang="en-US" sz="2800" dirty="0" smtClean="0">
+              <a:solidFill>
+                <a:srgbClr val="3B3439"/>
+              </a:solidFill>
+              <a:latin typeface="Arial Unicode MS" panose="020B0604020202020204" pitchFamily="34" charset="-122"/>
+              <a:ea typeface="Arial Unicode MS" panose="020B0604020202020204" pitchFamily="34" charset="-122"/>
+              <a:cs typeface="Arial Unicode MS" panose="020B0604020202020204" pitchFamily="34" charset="-122"/>
+            </a:endParaRPr>
+          </a:p>
+        </p:txBody>
+      </p:sp>
+      <p:sp>
+        <p:nvSpPr>
+          <p:cNvPr id="4" name="TextBox 4"/>
+          <p:cNvSpPr txBox="1"/>
+          <p:nvPr/>
+        </p:nvSpPr>
+        <p:spPr>
+          <a:xfrm>
+            <a:off x="880311" y="618392"/>
+            <a:ext cx="3954929" cy="523220"/>
+          </a:xfrm>
+          <a:prstGeom prst="rect">
+            <a:avLst/>
+          </a:prstGeom>
+          <a:noFill/>
+        </p:spPr>
+        <p:txBody>
+          <a:bodyPr wrap="none" rtlCol="0">
+            <a:spAutoFit/>
+          </a:bodyPr>
+          <a:lstStyle/>
+          <a:p>
+            <a:r>
+              <a:rPr kumimoji="1" lang="zh-CN" altLang="en-US" sz="2800" dirty="0">
+                <a:solidFill>
+                  <a:srgbClr val="3B3439"/>
+                </a:solidFill>
+                <a:latin typeface="+mn-ea"/>
+                <a:cs typeface="Arial Unicode MS" panose="020B0604020202020204" pitchFamily="34" charset="-122"/>
+              </a:rPr>
+              <a:t>迭代工作内容</a:t>
+            </a:r>
+            <a:r>
+              <a:rPr kumimoji="1" lang="en-US" altLang="zh-CN" sz="2800" dirty="0">
+                <a:solidFill>
+                  <a:srgbClr val="3B3439"/>
+                </a:solidFill>
+                <a:latin typeface="+mn-ea"/>
+                <a:cs typeface="Arial Unicode MS" panose="020B0604020202020204" pitchFamily="34" charset="-122"/>
+              </a:rPr>
+              <a:t>-</a:t>
+            </a:r>
+            <a:r>
+              <a:rPr kumimoji="1" lang="zh-CN" altLang="en-US" sz="2800" dirty="0">
+                <a:solidFill>
+                  <a:srgbClr val="3B3439"/>
+                </a:solidFill>
+                <a:latin typeface="+mn-ea"/>
+                <a:cs typeface="Arial Unicode MS" panose="020B0604020202020204" pitchFamily="34" charset="-122"/>
+              </a:rPr>
+              <a:t>处置中心</a:t>
+            </a:r>
+          </a:p>
+        </p:txBody>
+      </p:sp>
+      <p:pic>
+        <p:nvPicPr>
+          <p:cNvPr id="5" name="Picture 2" descr="C:\Users\Administrator\Desktop\新版PPT模板21435456.png"/>
+          <p:cNvPicPr>
+            <a:picLocks noChangeAspect="1" noChangeArrowheads="1"/>
+          </p:cNvPicPr>
+          <p:nvPr/>
+        </p:nvPicPr>
+        <p:blipFill>
+          <a:blip r:embed="rId3" cstate="print"/>
+          <a:srcRect/>
+          <a:stretch>
+            <a:fillRect/>
+          </a:stretch>
+        </p:blipFill>
+        <p:spPr bwMode="auto">
+          <a:xfrm>
+            <a:off x="678053" y="1258697"/>
+            <a:ext cx="1702414" cy="67183"/>
+          </a:xfrm>
+          <a:prstGeom prst="rect">
+            <a:avLst/>
+          </a:prstGeom>
+          <a:noFill/>
+        </p:spPr>
+      </p:pic>
+    </p:spTree>
+    <p:extLst>
+      <p:ext uri="{BB962C8B-B14F-4D97-AF65-F5344CB8AC3E}">
+        <p14:creationId xmlns:p14="http://schemas.microsoft.com/office/powerpoint/2010/main" val="2510656240"/>
       </p:ext>
     </p:extLst>
   </p:cSld>
